--- a/ClassMaterials/SETechniques/Slides/Part2-SETechniques-UML.pptx
+++ b/ClassMaterials/SETechniques/Slides/Part2-SETechniques-UML.pptx
@@ -5,10 +5,10 @@
     <p:sldMasterId id="2147483672" r:id="rId4"/>
   </p:sldMasterIdLst>
   <p:notesMasterIdLst>
-    <p:notesMasterId r:id="rId28"/>
+    <p:notesMasterId r:id="rId24"/>
   </p:notesMasterIdLst>
   <p:handoutMasterIdLst>
-    <p:handoutMasterId r:id="rId29"/>
+    <p:handoutMasterId r:id="rId25"/>
   </p:handoutMasterIdLst>
   <p:sldIdLst>
     <p:sldId id="301" r:id="rId5"/>
@@ -26,14 +26,10 @@
     <p:sldId id="385" r:id="rId17"/>
     <p:sldId id="386" r:id="rId18"/>
     <p:sldId id="276" r:id="rId19"/>
-    <p:sldId id="331" r:id="rId20"/>
-    <p:sldId id="357" r:id="rId21"/>
-    <p:sldId id="336" r:id="rId22"/>
-    <p:sldId id="362" r:id="rId23"/>
-    <p:sldId id="392" r:id="rId24"/>
-    <p:sldId id="363" r:id="rId25"/>
-    <p:sldId id="364" r:id="rId26"/>
-    <p:sldId id="391" r:id="rId27"/>
+    <p:sldId id="363" r:id="rId20"/>
+    <p:sldId id="392" r:id="rId21"/>
+    <p:sldId id="364" r:id="rId22"/>
+    <p:sldId id="391" r:id="rId23"/>
   </p:sldIdLst>
   <p:sldSz cx="9144000" cy="6858000" type="screen4x3"/>
   <p:notesSz cx="6858000" cy="9144000"/>
@@ -528,7 +524,7 @@
           <a:p>
             <a:fld id="{A470E182-4433-B944-AF35-723DFC7F8728}" type="datetimeFigureOut">
               <a:rPr lang="en-US" smtClean="0"/>
-              <a:t>11/22/2022</a:t>
+              <a:t>12/4/2022</a:t>
             </a:fld>
             <a:endParaRPr lang="en-US"/>
           </a:p>
@@ -609,6 +605,62 @@
   </p:cSld>
   <p:clrMap bg1="lt1" tx1="dk1" bg2="lt2" tx2="dk2" accent1="accent1" accent2="accent2" accent3="accent3" accent4="accent4" accent5="accent5" accent6="accent6" hlink="hlink" folHlink="folHlink"/>
 </p:handoutMaster>
+</file>
+
+<file path=ppt/ink/ink1.xml><?xml version="1.0" encoding="utf-8"?>
+<inkml:ink xmlns:inkml="http://www.w3.org/2003/InkML">
+  <inkml:definitions>
+    <inkml:context xml:id="ctx0">
+      <inkml:inkSource xml:id="inkSrc0">
+        <inkml:traceFormat>
+          <inkml:channel name="X" type="integer" min="-2.14748E9" max="2.14748E9" units="cm"/>
+          <inkml:channel name="Y" type="integer" min="-2.14748E9" max="2.14748E9" units="cm"/>
+          <inkml:channel name="F" type="integer" max="32767" units="dev"/>
+        </inkml:traceFormat>
+        <inkml:channelProperties>
+          <inkml:channelProperty channel="X" name="resolution" value="1000" units="1/cm"/>
+          <inkml:channelProperty channel="Y" name="resolution" value="1000" units="1/cm"/>
+          <inkml:channelProperty channel="F" name="resolution" value="0" units="1/dev"/>
+        </inkml:channelProperties>
+      </inkml:inkSource>
+      <inkml:timestamp xml:id="ts0" timeString="2022-12-05T01:24:19.425"/>
+    </inkml:context>
+    <inkml:brush xml:id="br0">
+      <inkml:brushProperty name="width" value="0.05" units="cm"/>
+      <inkml:brushProperty name="height" value="0.05" units="cm"/>
+      <inkml:brushProperty name="color" value="#E71224"/>
+    </inkml:brush>
+  </inkml:definitions>
+  <inkml:trace contextRef="#ctx0" brushRef="#br0">2916 59 24575,'-2067'0'0,"1669"-29"111,-30-1-1587,406 31-5350</inkml:trace>
+</inkml:ink>
+</file>
+
+<file path=ppt/ink/ink2.xml><?xml version="1.0" encoding="utf-8"?>
+<inkml:ink xmlns:inkml="http://www.w3.org/2003/InkML">
+  <inkml:definitions>
+    <inkml:context xml:id="ctx0">
+      <inkml:inkSource xml:id="inkSrc0">
+        <inkml:traceFormat>
+          <inkml:channel name="X" type="integer" min="-2.14748E9" max="2.14748E9" units="cm"/>
+          <inkml:channel name="Y" type="integer" min="-2.14748E9" max="2.14748E9" units="cm"/>
+          <inkml:channel name="F" type="integer" max="32767" units="dev"/>
+        </inkml:traceFormat>
+        <inkml:channelProperties>
+          <inkml:channelProperty channel="X" name="resolution" value="1000" units="1/cm"/>
+          <inkml:channelProperty channel="Y" name="resolution" value="1000" units="1/cm"/>
+          <inkml:channelProperty channel="F" name="resolution" value="0" units="1/dev"/>
+        </inkml:channelProperties>
+      </inkml:inkSource>
+      <inkml:timestamp xml:id="ts0" timeString="2022-12-05T01:24:23.600"/>
+    </inkml:context>
+    <inkml:brush xml:id="br0">
+      <inkml:brushProperty name="width" value="0.05" units="cm"/>
+      <inkml:brushProperty name="height" value="0.05" units="cm"/>
+      <inkml:brushProperty name="color" value="#E71224"/>
+    </inkml:brush>
+  </inkml:definitions>
+  <inkml:trace contextRef="#ctx0" brushRef="#br0">348 1 24575,'-35'477'0,"27"-405"0,-3 0 0,-4 0 0,-31 92 0,29-110 0,-12 67 0,1-5 0,5-12 0,4 0 0,4 1 0,-1 143 0,-26 165 0,21-258 0,-2 192 0,23-258 0,0 131 0,42 329 0,-21-348 0,5 32 0,20 213 0,-40-368 0,0 4 0,4 1 0,34 135 0,-32-168 0,-3 0 0,-1 1 0,0 56 0,-10 156 0,-1-104 0,3 768 0,1-925 0,-1 0 0,0 0 0,0 0 0,0 0 0,-1 0 0,1 0 0,0-1 0,-1 1 0,1 0 0,-1 0 0,0 0 0,1-1 0,-2 3 0,1-4 0,1 1 0,0-1 0,-1 0 0,1 0 0,-1 1 0,1-1 0,-1 0 0,1 0 0,0 0 0,-1 0 0,1 0 0,-1 0 0,1 0 0,-1 0 0,1 0 0,-1 0 0,1 0 0,0 0 0,-1 0 0,1 0 0,-1 0 0,1 0 0,-1 0 0,1 0 0,0-1 0,-1 1 0,1 0 0,-1 0 0,1-1 0,0 1 0,-1 0 0,0-1 0,-34-40 0,30 35 0,-104-132 0,97 121 0,9 13 0,1 0 0,-1 1 0,1-1 0,-1 1 0,0 0 0,0 0 0,-6-4 0,25 42 0,19 27 0,-21-35 0,1-1 0,1 0 0,29 35 0,-43-59 0,0 0 0,0 0 0,-1 0 0,1 0 0,0 0 0,1 0 0,-1 0 0,0-1 0,0 1 0,1-1 0,-1 0 0,1 0 0,-1 0 0,1 0 0,0 0 0,-1 0 0,1-1 0,0 1 0,-1-1 0,1 0 0,0 1 0,0-1 0,0-1 0,-1 1 0,1 0 0,0-1 0,-1 1 0,4-2 0,0-1 0,0-1 0,-1 1 0,0-1 0,0-1 0,0 1 0,0 0 0,0-1 0,-1 0 0,0 0 0,7-12 0,5-4-195,0-1 0,2 2 0,0 0 0,2 1 0,0 1 0,34-23 0,-29 25-6631</inkml:trace>
+</inkml:ink>
 </file>
 
 <file path=ppt/notesMasters/notesMaster1.xml><?xml version="1.0" encoding="utf-8"?>
@@ -693,7 +745,7 @@
           <a:p>
             <a:fld id="{C12EF212-CCF8-3B4F-9C5F-A87F03513D57}" type="datetimeFigureOut">
               <a:rPr lang="en-US" smtClean="0"/>
-              <a:t>11/22/2022</a:t>
+              <a:t>12/4/2022</a:t>
             </a:fld>
             <a:endParaRPr lang="en-US"/>
           </a:p>
@@ -1285,331 +1337,6 @@
 </p:notes>
 </file>
 
-<file path=ppt/notesSlides/notesSlide3.xml><?xml version="1.0" encoding="utf-8"?>
-<p:notes xmlns:a="http://schemas.openxmlformats.org/drawingml/2006/main" xmlns:r="http://schemas.openxmlformats.org/officeDocument/2006/relationships" xmlns:p="http://schemas.openxmlformats.org/presentationml/2006/main">
-  <p:cSld>
-    <p:spTree>
-      <p:nvGrpSpPr>
-        <p:cNvPr id="1" name=""/>
-        <p:cNvGrpSpPr/>
-        <p:nvPr/>
-      </p:nvGrpSpPr>
-      <p:grpSpPr>
-        <a:xfrm>
-          <a:off x="0" y="0"/>
-          <a:ext cx="0" cy="0"/>
-          <a:chOff x="0" y="0"/>
-          <a:chExt cx="0" cy="0"/>
-        </a:xfrm>
-      </p:grpSpPr>
-      <p:sp>
-        <p:nvSpPr>
-          <p:cNvPr id="48130" name="Slide Image Placeholder 1"/>
-          <p:cNvSpPr>
-            <a:spLocks noGrp="1" noRot="1" noChangeAspect="1" noTextEdit="1"/>
-          </p:cNvSpPr>
-          <p:nvPr>
-            <p:ph type="sldImg"/>
-          </p:nvPr>
-        </p:nvSpPr>
-        <p:spPr bwMode="auto">
-          <a:noFill/>
-          <a:ln>
-            <a:solidFill>
-              <a:srgbClr val="000000"/>
-            </a:solidFill>
-            <a:miter lim="800000"/>
-            <a:headEnd/>
-            <a:tailEnd/>
-          </a:ln>
-        </p:spPr>
-      </p:sp>
-      <p:sp>
-        <p:nvSpPr>
-          <p:cNvPr id="48131" name="Notes Placeholder 2"/>
-          <p:cNvSpPr>
-            <a:spLocks noGrp="1"/>
-          </p:cNvSpPr>
-          <p:nvPr>
-            <p:ph type="body" idx="1"/>
-          </p:nvPr>
-        </p:nvSpPr>
-        <p:spPr>
-          <a:noFill/>
-          <a:ln/>
-        </p:spPr>
-        <p:txBody>
-          <a:bodyPr/>
-          <a:lstStyle/>
-          <a:p>
-            <a:r>
-              <a:rPr lang="en-US"/>
-              <a:t>For a future class</a:t>
-            </a:r>
-          </a:p>
-        </p:txBody>
-      </p:sp>
-      <p:sp>
-        <p:nvSpPr>
-          <p:cNvPr id="48132" name="Slide Number Placeholder 3"/>
-          <p:cNvSpPr>
-            <a:spLocks noGrp="1"/>
-          </p:cNvSpPr>
-          <p:nvPr>
-            <p:ph type="sldNum" sz="quarter" idx="5"/>
-          </p:nvPr>
-        </p:nvSpPr>
-        <p:spPr>
-          <a:noFill/>
-        </p:spPr>
-        <p:txBody>
-          <a:bodyPr/>
-          <a:lstStyle/>
-          <a:p>
-            <a:fld id="{DC0E6170-2EC2-4F8B-9528-2FD61EC07430}" type="slidenum">
-              <a:rPr lang="en-US"/>
-              <a:pPr/>
-              <a:t>19</a:t>
-            </a:fld>
-            <a:endParaRPr lang="en-US"/>
-          </a:p>
-        </p:txBody>
-      </p:sp>
-    </p:spTree>
-    <p:extLst>
-      <p:ext uri="{BB962C8B-B14F-4D97-AF65-F5344CB8AC3E}">
-        <p14:creationId xmlns:p14="http://schemas.microsoft.com/office/powerpoint/2010/main" val="2304168344"/>
-      </p:ext>
-    </p:extLst>
-  </p:cSld>
-  <p:clrMapOvr>
-    <a:masterClrMapping/>
-  </p:clrMapOvr>
-</p:notes>
-</file>
-
-<file path=ppt/notesSlides/notesSlide4.xml><?xml version="1.0" encoding="utf-8"?>
-<p:notes xmlns:a="http://schemas.openxmlformats.org/drawingml/2006/main" xmlns:r="http://schemas.openxmlformats.org/officeDocument/2006/relationships" xmlns:p="http://schemas.openxmlformats.org/presentationml/2006/main">
-  <p:cSld>
-    <p:spTree>
-      <p:nvGrpSpPr>
-        <p:cNvPr id="1" name=""/>
-        <p:cNvGrpSpPr/>
-        <p:nvPr/>
-      </p:nvGrpSpPr>
-      <p:grpSpPr>
-        <a:xfrm>
-          <a:off x="0" y="0"/>
-          <a:ext cx="0" cy="0"/>
-          <a:chOff x="0" y="0"/>
-          <a:chExt cx="0" cy="0"/>
-        </a:xfrm>
-      </p:grpSpPr>
-      <p:sp>
-        <p:nvSpPr>
-          <p:cNvPr id="2" name="Slide Image Placeholder 1"/>
-          <p:cNvSpPr>
-            <a:spLocks noGrp="1" noRot="1" noChangeAspect="1"/>
-          </p:cNvSpPr>
-          <p:nvPr>
-            <p:ph type="sldImg"/>
-          </p:nvPr>
-        </p:nvSpPr>
-        <p:spPr/>
-      </p:sp>
-      <p:sp>
-        <p:nvSpPr>
-          <p:cNvPr id="3" name="Notes Placeholder 2"/>
-          <p:cNvSpPr>
-            <a:spLocks noGrp="1"/>
-          </p:cNvSpPr>
-          <p:nvPr>
-            <p:ph type="body" idx="1"/>
-          </p:nvPr>
-        </p:nvSpPr>
-        <p:spPr/>
-        <p:txBody>
-          <a:bodyPr/>
-          <a:lstStyle/>
-          <a:p>
-            <a:r>
-              <a:rPr lang="en-US"/>
-              <a:t>@</a:t>
-            </a:r>
-            <a:r>
-              <a:rPr lang="en-US" err="1"/>
-              <a:t>startuml</a:t>
-            </a:r>
-            <a:endParaRPr lang="en-US"/>
-          </a:p>
-          <a:p>
-            <a:r>
-              <a:rPr lang="en-US" err="1"/>
-              <a:t>skinparam</a:t>
-            </a:r>
-            <a:r>
-              <a:rPr lang="en-US"/>
-              <a:t> style </a:t>
-            </a:r>
-            <a:r>
-              <a:rPr lang="en-US" err="1"/>
-              <a:t>strictuml</a:t>
-            </a:r>
-            <a:endParaRPr lang="en-US"/>
-          </a:p>
-          <a:p>
-            <a:r>
-              <a:rPr lang="en-US"/>
-              <a:t>class Main {</a:t>
-            </a:r>
-          </a:p>
-          <a:p>
-            <a:r>
-              <a:rPr lang="en-US"/>
-              <a:t>Main()</a:t>
-            </a:r>
-          </a:p>
-          <a:p>
-            <a:r>
-              <a:rPr lang="en-US"/>
-              <a:t>setAllBValuesTo3()</a:t>
-            </a:r>
-          </a:p>
-          <a:p>
-            <a:r>
-              <a:rPr lang="en-US"/>
-              <a:t>}</a:t>
-            </a:r>
-          </a:p>
-          <a:p>
-            <a:r>
-              <a:rPr lang="en-US"/>
-              <a:t>class A{</a:t>
-            </a:r>
-          </a:p>
-          <a:p>
-            <a:r>
-              <a:rPr lang="en-US"/>
-              <a:t>name</a:t>
-            </a:r>
-          </a:p>
-          <a:p>
-            <a:r>
-              <a:rPr lang="en-US"/>
-              <a:t>A( name )</a:t>
-            </a:r>
-          </a:p>
-          <a:p>
-            <a:r>
-              <a:rPr lang="en-US" err="1"/>
-              <a:t>setBValue</a:t>
-            </a:r>
-            <a:r>
-              <a:rPr lang="en-US"/>
-              <a:t>( value)</a:t>
-            </a:r>
-          </a:p>
-          <a:p>
-            <a:r>
-              <a:rPr lang="en-US"/>
-              <a:t>}</a:t>
-            </a:r>
-          </a:p>
-          <a:p>
-            <a:r>
-              <a:rPr lang="en-US"/>
-              <a:t>class B{</a:t>
-            </a:r>
-          </a:p>
-          <a:p>
-            <a:r>
-              <a:rPr lang="en-US"/>
-              <a:t>count</a:t>
-            </a:r>
-          </a:p>
-          <a:p>
-            <a:r>
-              <a:rPr lang="en-US"/>
-              <a:t>B()</a:t>
-            </a:r>
-          </a:p>
-          <a:p>
-            <a:r>
-              <a:rPr lang="en-US" err="1"/>
-              <a:t>setValue</a:t>
-            </a:r>
-            <a:r>
-              <a:rPr lang="en-US"/>
-              <a:t>( value )</a:t>
-            </a:r>
-          </a:p>
-          <a:p>
-            <a:r>
-              <a:rPr lang="en-US"/>
-              <a:t>}</a:t>
-            </a:r>
-          </a:p>
-          <a:p>
-            <a:r>
-              <a:rPr lang="en-US"/>
-              <a:t>Main -&gt; "*" A</a:t>
-            </a:r>
-          </a:p>
-          <a:p>
-            <a:r>
-              <a:rPr lang="en-US"/>
-              <a:t>A-&gt;  B</a:t>
-            </a:r>
-          </a:p>
-          <a:p>
-            <a:r>
-              <a:rPr lang="en-US"/>
-              <a:t>@</a:t>
-            </a:r>
-            <a:r>
-              <a:rPr lang="en-US" err="1"/>
-              <a:t>enduml</a:t>
-            </a:r>
-            <a:endParaRPr lang="en-US"/>
-          </a:p>
-        </p:txBody>
-      </p:sp>
-      <p:sp>
-        <p:nvSpPr>
-          <p:cNvPr id="4" name="Slide Number Placeholder 3"/>
-          <p:cNvSpPr>
-            <a:spLocks noGrp="1"/>
-          </p:cNvSpPr>
-          <p:nvPr>
-            <p:ph type="sldNum" sz="quarter" idx="10"/>
-          </p:nvPr>
-        </p:nvSpPr>
-        <p:spPr/>
-        <p:txBody>
-          <a:bodyPr/>
-          <a:lstStyle/>
-          <a:p>
-            <a:fld id="{1EC41D83-A85E-494A-A425-5657A5A18AE9}" type="slidenum">
-              <a:rPr lang="en-US" smtClean="0"/>
-              <a:t>21</a:t>
-            </a:fld>
-            <a:endParaRPr lang="en-US"/>
-          </a:p>
-        </p:txBody>
-      </p:sp>
-    </p:spTree>
-    <p:extLst>
-      <p:ext uri="{BB962C8B-B14F-4D97-AF65-F5344CB8AC3E}">
-        <p14:creationId xmlns:p14="http://schemas.microsoft.com/office/powerpoint/2010/main" val="2831314650"/>
-      </p:ext>
-    </p:extLst>
-  </p:cSld>
-  <p:clrMapOvr>
-    <a:masterClrMapping/>
-  </p:clrMapOvr>
-</p:notes>
-</file>
-
 <file path=ppt/slideLayouts/slideLayout1.xml><?xml version="1.0" encoding="utf-8"?>
 <p:sldLayout xmlns:a="http://schemas.openxmlformats.org/drawingml/2006/main" xmlns:r="http://schemas.openxmlformats.org/officeDocument/2006/relationships" xmlns:p="http://schemas.openxmlformats.org/presentationml/2006/main" type="title" preserve="1">
   <p:cSld name="Title Slide">
@@ -1745,7 +1472,7 @@
               <a:pPr>
                 <a:defRPr/>
               </a:pPr>
-              <a:t>Tuesday, November 22, 2022</a:t>
+              <a:t>Sunday, December 4, 2022</a:t>
             </a:fld>
             <a:endParaRPr lang="en-US"/>
           </a:p>
@@ -1938,7 +1665,7 @@
               <a:pPr>
                 <a:defRPr/>
               </a:pPr>
-              <a:t>Tuesday, November 22, 2022</a:t>
+              <a:t>Sunday, December 4, 2022</a:t>
             </a:fld>
             <a:endParaRPr lang="en-US">
               <a:solidFill>
@@ -2151,7 +1878,7 @@
               <a:pPr>
                 <a:defRPr/>
               </a:pPr>
-              <a:t>Tuesday, November 22, 2022</a:t>
+              <a:t>Sunday, December 4, 2022</a:t>
             </a:fld>
             <a:endParaRPr lang="en-US">
               <a:solidFill>
@@ -2354,7 +2081,7 @@
               <a:pPr>
                 <a:defRPr/>
               </a:pPr>
-              <a:t>Tuesday, November 22, 2022</a:t>
+              <a:t>Sunday, December 4, 2022</a:t>
             </a:fld>
             <a:endParaRPr lang="en-US">
               <a:solidFill>
@@ -2634,7 +2361,7 @@
               <a:pPr>
                 <a:defRPr/>
               </a:pPr>
-              <a:t>Tuesday, November 22, 2022</a:t>
+              <a:t>Sunday, December 4, 2022</a:t>
             </a:fld>
             <a:endParaRPr lang="en-US">
               <a:solidFill>
@@ -2898,7 +2625,7 @@
               <a:pPr>
                 <a:defRPr/>
               </a:pPr>
-              <a:t>Tuesday, November 22, 2022</a:t>
+              <a:t>Sunday, December 4, 2022</a:t>
             </a:fld>
             <a:endParaRPr lang="en-US">
               <a:solidFill>
@@ -3297,7 +3024,7 @@
               <a:pPr>
                 <a:defRPr/>
               </a:pPr>
-              <a:t>Tuesday, November 22, 2022</a:t>
+              <a:t>Sunday, December 4, 2022</a:t>
             </a:fld>
             <a:endParaRPr lang="en-US">
               <a:solidFill>
@@ -3449,7 +3176,7 @@
               <a:pPr>
                 <a:defRPr/>
               </a:pPr>
-              <a:t>Tuesday, November 22, 2022</a:t>
+              <a:t>Sunday, December 4, 2022</a:t>
             </a:fld>
             <a:endParaRPr lang="en-US">
               <a:solidFill>
@@ -3579,7 +3306,7 @@
               <a:pPr>
                 <a:defRPr/>
               </a:pPr>
-              <a:t>Tuesday, November 22, 2022</a:t>
+              <a:t>Sunday, December 4, 2022</a:t>
             </a:fld>
             <a:endParaRPr lang="en-US">
               <a:solidFill>
@@ -3889,7 +3616,7 @@
               <a:pPr>
                 <a:defRPr/>
               </a:pPr>
-              <a:t>Tuesday, November 22, 2022</a:t>
+              <a:t>Sunday, December 4, 2022</a:t>
             </a:fld>
             <a:endParaRPr lang="en-US">
               <a:solidFill>
@@ -4176,7 +3903,7 @@
               <a:pPr>
                 <a:defRPr/>
               </a:pPr>
-              <a:t>Tuesday, November 22, 2022</a:t>
+              <a:t>Sunday, December 4, 2022</a:t>
             </a:fld>
             <a:endParaRPr lang="en-US">
               <a:solidFill>
@@ -4436,7 +4163,7 @@
                 </a:spcAft>
                 <a:defRPr/>
               </a:pPr>
-              <a:t>Tuesday, November 22, 2022</a:t>
+              <a:t>Sunday, December 4, 2022</a:t>
             </a:fld>
             <a:endParaRPr lang="en-US">
               <a:solidFill>
@@ -8884,7 +8611,7 @@
           <a:lstStyle/>
           <a:p>
             <a:r>
-              <a:rPr lang="en-US"/>
+              <a:rPr lang="en-US" dirty="0"/>
               <a:t>Now - practice</a:t>
             </a:r>
           </a:p>
@@ -8906,37 +8633,227 @@
             <p:ph idx="1"/>
           </p:nvPr>
         </p:nvSpPr>
-        <p:spPr/>
+        <p:spPr>
+          <a:xfrm>
+            <a:off x="628650" y="1394701"/>
+            <a:ext cx="7886700" cy="4351338"/>
+          </a:xfrm>
+        </p:spPr>
         <p:txBody>
           <a:bodyPr/>
           <a:lstStyle/>
           <a:p>
             <a:r>
-              <a:rPr lang="en-US"/>
+              <a:rPr lang="en-US" dirty="0"/>
               <a:t>From the today’s in-class quiz do questions #1 and #2</a:t>
             </a:r>
           </a:p>
           <a:p>
             <a:r>
-              <a:rPr lang="en-US"/>
+              <a:rPr lang="en-US" dirty="0"/>
               <a:t>About 10 minutes</a:t>
             </a:r>
           </a:p>
           <a:p>
             <a:r>
-              <a:rPr lang="en-US" b="1"/>
-              <a:t>For #2 ONLY write this down on paper for now…</a:t>
-            </a:r>
-          </a:p>
-          <a:p>
-            <a:r>
-              <a:rPr lang="en-US" b="1"/>
-              <a:t>Next, we will show you how to generate a digital UML Diagram</a:t>
-            </a:r>
-            <a:endParaRPr lang="en-US"/>
+              <a:rPr lang="en-US" b="1" dirty="0">
+                <a:highlight>
+                  <a:srgbClr val="FFFF00"/>
+                </a:highlight>
+              </a:rPr>
+              <a:t>For #2 ONLY write this down on paper </a:t>
+            </a:r>
+            <a:r>
+              <a:rPr lang="en-US" b="1" dirty="0"/>
+              <a:t>for now…</a:t>
+            </a:r>
+          </a:p>
+          <a:p>
+            <a:r>
+              <a:rPr lang="en-US" b="1" dirty="0"/>
+              <a:t>Next, we will code up an example of UML in code then show you how to generate a digital UML Diagram</a:t>
+            </a:r>
+            <a:endParaRPr lang="en-US" dirty="0"/>
           </a:p>
         </p:txBody>
       </p:sp>
+      <p:pic>
+        <p:nvPicPr>
+          <p:cNvPr id="8" name="Picture 7">
+            <a:extLst>
+              <a:ext uri="{FF2B5EF4-FFF2-40B4-BE49-F238E27FC236}">
+                <a16:creationId xmlns:a16="http://schemas.microsoft.com/office/drawing/2014/main" id="{37008873-48AC-FF49-7102-CF2F9CB222E1}"/>
+              </a:ext>
+            </a:extLst>
+          </p:cNvPr>
+          <p:cNvPicPr>
+            <a:picLocks noChangeAspect="1"/>
+          </p:cNvPicPr>
+          <p:nvPr/>
+        </p:nvPicPr>
+        <p:blipFill>
+          <a:blip r:embed="rId2"/>
+          <a:stretch>
+            <a:fillRect/>
+          </a:stretch>
+        </p:blipFill>
+        <p:spPr>
+          <a:xfrm>
+            <a:off x="869418" y="3183297"/>
+            <a:ext cx="5115639" cy="1247949"/>
+          </a:xfrm>
+          <a:prstGeom prst="rect">
+            <a:avLst/>
+          </a:prstGeom>
+        </p:spPr>
+      </p:pic>
+      <p:pic>
+        <p:nvPicPr>
+          <p:cNvPr id="9" name="Picture 8">
+            <a:extLst>
+              <a:ext uri="{FF2B5EF4-FFF2-40B4-BE49-F238E27FC236}">
+                <a16:creationId xmlns:a16="http://schemas.microsoft.com/office/drawing/2014/main" id="{340C2CE7-C998-B6C8-6E7C-54D99E4F26D8}"/>
+              </a:ext>
+            </a:extLst>
+          </p:cNvPr>
+          <p:cNvPicPr>
+            <a:picLocks noChangeAspect="1"/>
+          </p:cNvPicPr>
+          <p:nvPr/>
+        </p:nvPicPr>
+        <p:blipFill>
+          <a:blip r:embed="rId3"/>
+          <a:stretch>
+            <a:fillRect/>
+          </a:stretch>
+        </p:blipFill>
+        <p:spPr>
+          <a:xfrm>
+            <a:off x="878953" y="4467734"/>
+            <a:ext cx="5230283" cy="2025140"/>
+          </a:xfrm>
+          <a:prstGeom prst="rect">
+            <a:avLst/>
+          </a:prstGeom>
+        </p:spPr>
+      </p:pic>
+      <p:sp>
+        <p:nvSpPr>
+          <p:cNvPr id="10" name="TextBox 9">
+            <a:extLst>
+              <a:ext uri="{FF2B5EF4-FFF2-40B4-BE49-F238E27FC236}">
+                <a16:creationId xmlns:a16="http://schemas.microsoft.com/office/drawing/2014/main" id="{0EEE507A-DFB5-6E52-497C-73734480BFAB}"/>
+              </a:ext>
+            </a:extLst>
+          </p:cNvPr>
+          <p:cNvSpPr txBox="1"/>
+          <p:nvPr/>
+        </p:nvSpPr>
+        <p:spPr>
+          <a:xfrm>
+            <a:off x="430924" y="3637675"/>
+            <a:ext cx="417102" cy="369332"/>
+          </a:xfrm>
+          <a:prstGeom prst="rect">
+            <a:avLst/>
+          </a:prstGeom>
+          <a:noFill/>
+        </p:spPr>
+        <p:txBody>
+          <a:bodyPr wrap="none" rtlCol="0">
+            <a:spAutoFit/>
+          </a:bodyPr>
+          <a:lstStyle/>
+          <a:p>
+            <a:r>
+              <a:rPr lang="en-US" b="1" dirty="0"/>
+              <a:t>#1</a:t>
+            </a:r>
+          </a:p>
+        </p:txBody>
+      </p:sp>
+      <p:sp>
+        <p:nvSpPr>
+          <p:cNvPr id="11" name="TextBox 10">
+            <a:extLst>
+              <a:ext uri="{FF2B5EF4-FFF2-40B4-BE49-F238E27FC236}">
+                <a16:creationId xmlns:a16="http://schemas.microsoft.com/office/drawing/2014/main" id="{E335477A-6324-244D-06E2-58FB9A12036A}"/>
+              </a:ext>
+            </a:extLst>
+          </p:cNvPr>
+          <p:cNvSpPr txBox="1"/>
+          <p:nvPr/>
+        </p:nvSpPr>
+        <p:spPr>
+          <a:xfrm>
+            <a:off x="430924" y="4964119"/>
+            <a:ext cx="417102" cy="369332"/>
+          </a:xfrm>
+          <a:prstGeom prst="rect">
+            <a:avLst/>
+          </a:prstGeom>
+          <a:noFill/>
+        </p:spPr>
+        <p:txBody>
+          <a:bodyPr wrap="none" rtlCol="0">
+            <a:spAutoFit/>
+          </a:bodyPr>
+          <a:lstStyle/>
+          <a:p>
+            <a:r>
+              <a:rPr lang="en-US" b="1" dirty="0"/>
+              <a:t>#2</a:t>
+            </a:r>
+          </a:p>
+        </p:txBody>
+      </p:sp>
+      <p:pic>
+        <p:nvPicPr>
+          <p:cNvPr id="12" name="Picture 2">
+            <a:extLst>
+              <a:ext uri="{FF2B5EF4-FFF2-40B4-BE49-F238E27FC236}">
+                <a16:creationId xmlns:a16="http://schemas.microsoft.com/office/drawing/2014/main" id="{B8CF7411-F3B0-868B-BA67-DCEC1882EF14}"/>
+              </a:ext>
+            </a:extLst>
+          </p:cNvPr>
+          <p:cNvPicPr>
+            <a:picLocks noChangeAspect="1" noChangeArrowheads="1"/>
+          </p:cNvPicPr>
+          <p:nvPr/>
+        </p:nvPicPr>
+        <p:blipFill>
+          <a:blip r:embed="rId4">
+            <a:extLst>
+              <a:ext uri="{28A0092B-C50C-407E-A947-70E740481C1C}">
+                <a14:useLocalDpi xmlns:a14="http://schemas.microsoft.com/office/drawing/2010/main" val="0"/>
+              </a:ext>
+            </a:extLst>
+          </a:blip>
+          <a:srcRect/>
+          <a:stretch>
+            <a:fillRect/>
+          </a:stretch>
+        </p:blipFill>
+        <p:spPr bwMode="auto">
+          <a:xfrm>
+            <a:off x="5985057" y="194048"/>
+            <a:ext cx="2900871" cy="1160348"/>
+          </a:xfrm>
+          <a:prstGeom prst="rect">
+            <a:avLst/>
+          </a:prstGeom>
+          <a:noFill/>
+          <a:extLst>
+            <a:ext uri="{909E8E84-426E-40DD-AFC4-6F175D3DCCD1}">
+              <a14:hiddenFill xmlns:a14="http://schemas.microsoft.com/office/drawing/2010/main">
+                <a:solidFill>
+                  <a:srgbClr val="FFFFFF"/>
+                </a:solidFill>
+              </a14:hiddenFill>
+            </a:ext>
+          </a:extLst>
+        </p:spPr>
+      </p:pic>
     </p:spTree>
     <p:extLst>
       <p:ext uri="{BB962C8B-B14F-4D97-AF65-F5344CB8AC3E}">
@@ -8997,6 +8914,143 @@
           </a:prstGeom>
         </p:spPr>
       </p:pic>
+      <p:pic>
+        <p:nvPicPr>
+          <p:cNvPr id="3" name="Picture 2">
+            <a:extLst>
+              <a:ext uri="{FF2B5EF4-FFF2-40B4-BE49-F238E27FC236}">
+                <a16:creationId xmlns:a16="http://schemas.microsoft.com/office/drawing/2014/main" id="{862F711D-4BD2-4FB7-62D3-AD405947CCB5}"/>
+              </a:ext>
+            </a:extLst>
+          </p:cNvPr>
+          <p:cNvPicPr>
+            <a:picLocks noChangeAspect="1"/>
+          </p:cNvPicPr>
+          <p:nvPr/>
+        </p:nvPicPr>
+        <p:blipFill>
+          <a:blip r:embed="rId4"/>
+          <a:stretch>
+            <a:fillRect/>
+          </a:stretch>
+        </p:blipFill>
+        <p:spPr>
+          <a:xfrm>
+            <a:off x="6441325" y="3027445"/>
+            <a:ext cx="2495898" cy="2943636"/>
+          </a:xfrm>
+          <a:prstGeom prst="rect">
+            <a:avLst/>
+          </a:prstGeom>
+          <a:ln>
+            <a:solidFill>
+              <a:srgbClr val="FF0000"/>
+            </a:solidFill>
+          </a:ln>
+        </p:spPr>
+      </p:pic>
+      <mc:AlternateContent xmlns:mc="http://schemas.openxmlformats.org/markup-compatibility/2006" xmlns:p14="http://schemas.microsoft.com/office/powerpoint/2010/main">
+        <mc:Choice Requires="p14">
+          <p:contentPart p14:bwMode="auto" r:id="rId5">
+            <p14:nvContentPartPr>
+              <p14:cNvPr id="5" name="Ink 4">
+                <a:extLst>
+                  <a:ext uri="{FF2B5EF4-FFF2-40B4-BE49-F238E27FC236}">
+                    <a16:creationId xmlns:a16="http://schemas.microsoft.com/office/drawing/2014/main" id="{952382A8-9F37-5114-1ECF-D1A782B12EB8}"/>
+                  </a:ext>
+                </a:extLst>
+              </p14:cNvPr>
+              <p14:cNvContentPartPr/>
+              <p14:nvPr/>
+            </p14:nvContentPartPr>
+            <p14:xfrm>
+              <a:off x="6535440" y="3293279"/>
+              <a:ext cx="1049760" cy="21240"/>
+            </p14:xfrm>
+          </p:contentPart>
+        </mc:Choice>
+        <mc:Fallback xmlns="">
+          <p:pic>
+            <p:nvPicPr>
+              <p:cNvPr id="5" name="Ink 4">
+                <a:extLst>
+                  <a:ext uri="{FF2B5EF4-FFF2-40B4-BE49-F238E27FC236}">
+                    <a16:creationId xmlns:a16="http://schemas.microsoft.com/office/drawing/2014/main" id="{952382A8-9F37-5114-1ECF-D1A782B12EB8}"/>
+                  </a:ext>
+                </a:extLst>
+              </p:cNvPr>
+              <p:cNvPicPr/>
+              <p:nvPr/>
+            </p:nvPicPr>
+            <p:blipFill>
+              <a:blip r:embed="rId6"/>
+              <a:stretch>
+                <a:fillRect/>
+              </a:stretch>
+            </p:blipFill>
+            <p:spPr>
+              <a:xfrm>
+                <a:off x="6526800" y="3284279"/>
+                <a:ext cx="1067400" cy="38880"/>
+              </a:xfrm>
+              <a:prstGeom prst="rect">
+                <a:avLst/>
+              </a:prstGeom>
+            </p:spPr>
+          </p:pic>
+        </mc:Fallback>
+      </mc:AlternateContent>
+      <mc:AlternateContent xmlns:mc="http://schemas.openxmlformats.org/markup-compatibility/2006" xmlns:p14="http://schemas.microsoft.com/office/powerpoint/2010/main">
+        <mc:Choice Requires="p14">
+          <p:contentPart p14:bwMode="auto" r:id="rId7">
+            <p14:nvContentPartPr>
+              <p14:cNvPr id="6" name="Ink 5">
+                <a:extLst>
+                  <a:ext uri="{FF2B5EF4-FFF2-40B4-BE49-F238E27FC236}">
+                    <a16:creationId xmlns:a16="http://schemas.microsoft.com/office/drawing/2014/main" id="{0694B522-814A-4112-D5F7-65A2CCA368CF}"/>
+                  </a:ext>
+                </a:extLst>
+              </p14:cNvPr>
+              <p14:cNvContentPartPr/>
+              <p14:nvPr/>
+            </p14:nvContentPartPr>
+            <p14:xfrm>
+              <a:off x="7044120" y="3449159"/>
+              <a:ext cx="175680" cy="2336400"/>
+            </p14:xfrm>
+          </p:contentPart>
+        </mc:Choice>
+        <mc:Fallback xmlns="">
+          <p:pic>
+            <p:nvPicPr>
+              <p:cNvPr id="6" name="Ink 5">
+                <a:extLst>
+                  <a:ext uri="{FF2B5EF4-FFF2-40B4-BE49-F238E27FC236}">
+                    <a16:creationId xmlns:a16="http://schemas.microsoft.com/office/drawing/2014/main" id="{0694B522-814A-4112-D5F7-65A2CCA368CF}"/>
+                  </a:ext>
+                </a:extLst>
+              </p:cNvPr>
+              <p:cNvPicPr/>
+              <p:nvPr/>
+            </p:nvPicPr>
+            <p:blipFill>
+              <a:blip r:embed="rId8"/>
+              <a:stretch>
+                <a:fillRect/>
+              </a:stretch>
+            </p:blipFill>
+            <p:spPr>
+              <a:xfrm>
+                <a:off x="7035120" y="3440519"/>
+                <a:ext cx="193320" cy="2354040"/>
+              </a:xfrm>
+              <a:prstGeom prst="rect">
+                <a:avLst/>
+              </a:prstGeom>
+            </p:spPr>
+          </p:pic>
+        </mc:Fallback>
+      </mc:AlternateContent>
     </p:spTree>
     <p:extLst>
       <p:ext uri="{BB962C8B-B14F-4D97-AF65-F5344CB8AC3E}">
@@ -9082,7 +9136,7 @@
               <a:buNone/>
             </a:pPr>
             <a:r>
-              <a:rPr lang="en-US"/>
+              <a:rPr lang="en-US" dirty="0"/>
               <a:t>Open up Eclipse and turn the UML diagram below into Java classes/code</a:t>
             </a:r>
           </a:p>
@@ -9092,16 +9146,16 @@
               <a:buAutoNum type="arabicPeriod"/>
             </a:pPr>
             <a:r>
-              <a:rPr lang="en-US"/>
+              <a:rPr lang="en-US" dirty="0"/>
               <a:t>Work in </a:t>
             </a:r>
             <a:r>
-              <a:rPr lang="en-US" i="1" err="1"/>
-              <a:t>FirstOODesignPractice</a:t>
-            </a:r>
-            <a:r>
-              <a:rPr lang="en-US"/>
-              <a:t> (Imported today)</a:t>
+              <a:rPr lang="en-US" i="1" dirty="0" err="1"/>
+              <a:t>PracticeFirstOODesign</a:t>
+            </a:r>
+            <a:r>
+              <a:rPr lang="en-US" dirty="0"/>
+              <a:t> (Today’s project)</a:t>
             </a:r>
           </a:p>
           <a:p>
@@ -9110,34 +9164,34 @@
               <a:buAutoNum type="arabicPeriod"/>
             </a:pPr>
             <a:r>
-              <a:rPr lang="en-US"/>
+              <a:rPr lang="en-US" dirty="0"/>
               <a:t>Create classes for </a:t>
             </a:r>
             <a:r>
-              <a:rPr lang="en-US" i="1"/>
+              <a:rPr lang="en-US" i="1" dirty="0"/>
               <a:t>A</a:t>
             </a:r>
             <a:r>
-              <a:rPr lang="en-US"/>
+              <a:rPr lang="en-US" dirty="0"/>
               <a:t> and </a:t>
             </a:r>
             <a:r>
-              <a:rPr lang="en-US" i="1"/>
+              <a:rPr lang="en-US" i="1" dirty="0"/>
               <a:t>B</a:t>
             </a:r>
             <a:r>
-              <a:rPr lang="en-US"/>
+              <a:rPr lang="en-US" dirty="0"/>
               <a:t>, class </a:t>
             </a:r>
             <a:r>
-              <a:rPr lang="en-US" i="1"/>
+              <a:rPr lang="en-US" i="1" dirty="0"/>
               <a:t>Main </a:t>
             </a:r>
             <a:r>
-              <a:rPr lang="en-US"/>
+              <a:rPr lang="en-US" dirty="0"/>
               <a:t>has been created for you</a:t>
             </a:r>
-            <a:endParaRPr lang="en-US" i="1"/>
+            <a:endParaRPr lang="en-US" i="1" dirty="0"/>
           </a:p>
           <a:p>
             <a:pPr marL="234950" indent="-225425">
@@ -9145,11 +9199,11 @@
               <a:buAutoNum type="arabicPeriod"/>
             </a:pPr>
             <a:r>
-              <a:rPr lang="en-US" i="1"/>
+              <a:rPr lang="en-US" i="1" dirty="0"/>
               <a:t>Stub out</a:t>
             </a:r>
             <a:r>
-              <a:rPr lang="en-US"/>
+              <a:rPr lang="en-US" dirty="0"/>
               <a:t> the methods in A and B, i.e., do not provide code between the {  and  }</a:t>
             </a:r>
           </a:p>
@@ -9159,49 +9213,19 @@
               <a:buAutoNum type="arabicPeriod"/>
             </a:pPr>
             <a:r>
-              <a:rPr lang="en-US"/>
+              <a:rPr lang="en-US" dirty="0"/>
               <a:t>Finally, implement the methods in A, B, and Main</a:t>
             </a:r>
           </a:p>
           <a:p>
             <a:pPr marL="352425" indent="-342900"/>
             <a:r>
-              <a:rPr lang="en-US"/>
+              <a:rPr lang="en-US" dirty="0"/>
               <a:t>Use data types: String and int</a:t>
             </a:r>
           </a:p>
         </p:txBody>
       </p:sp>
-      <p:pic>
-        <p:nvPicPr>
-          <p:cNvPr id="5" name="Picture 4">
-            <a:extLst>
-              <a:ext uri="{FF2B5EF4-FFF2-40B4-BE49-F238E27FC236}">
-                <a16:creationId xmlns:a16="http://schemas.microsoft.com/office/drawing/2014/main" id="{E42D9B0F-76C3-DC47-82A5-B1F69EF257BF}"/>
-              </a:ext>
-            </a:extLst>
-          </p:cNvPr>
-          <p:cNvPicPr>
-            <a:picLocks noChangeAspect="1"/>
-          </p:cNvPicPr>
-          <p:nvPr/>
-        </p:nvPicPr>
-        <p:blipFill>
-          <a:blip r:embed="rId3"/>
-          <a:stretch>
-            <a:fillRect/>
-          </a:stretch>
-        </p:blipFill>
-        <p:spPr>
-          <a:xfrm>
-            <a:off x="3598616" y="2496620"/>
-            <a:ext cx="5477755" cy="2537717"/>
-          </a:xfrm>
-          <a:prstGeom prst="rect">
-            <a:avLst/>
-          </a:prstGeom>
-        </p:spPr>
-      </p:pic>
       <p:pic>
         <p:nvPicPr>
           <p:cNvPr id="7" name="Graphic 6">
@@ -9217,10 +9241,10 @@
           <p:nvPr/>
         </p:nvPicPr>
         <p:blipFill>
-          <a:blip r:embed="rId4">
+          <a:blip r:embed="rId3">
             <a:extLst>
               <a:ext uri="{96DAC541-7B7A-43D3-8B79-37D633B846F1}">
-                <asvg:svgBlip xmlns:asvg="http://schemas.microsoft.com/office/drawing/2016/SVG/main" r:embed="rId5"/>
+                <asvg:svgBlip xmlns:asvg="http://schemas.microsoft.com/office/drawing/2016/SVG/main" r:embed="rId4"/>
               </a:ext>
             </a:extLst>
           </a:blip>
@@ -9238,10 +9262,40 @@
           </a:prstGeom>
         </p:spPr>
       </p:pic>
+      <p:pic>
+        <p:nvPicPr>
+          <p:cNvPr id="6" name="Picture 5" descr="Graphical user interface, application&#10;&#10;Description automatically generated">
+            <a:extLst>
+              <a:ext uri="{FF2B5EF4-FFF2-40B4-BE49-F238E27FC236}">
+                <a16:creationId xmlns:a16="http://schemas.microsoft.com/office/drawing/2014/main" id="{BB27ECCE-4F06-2740-9543-A7009AB7CAA0}"/>
+              </a:ext>
+            </a:extLst>
+          </p:cNvPr>
+          <p:cNvPicPr>
+            <a:picLocks noChangeAspect="1"/>
+          </p:cNvPicPr>
+          <p:nvPr/>
+        </p:nvPicPr>
+        <p:blipFill>
+          <a:blip r:embed="rId5"/>
+          <a:stretch>
+            <a:fillRect/>
+          </a:stretch>
+        </p:blipFill>
+        <p:spPr>
+          <a:xfrm>
+            <a:off x="2395874" y="2843210"/>
+            <a:ext cx="6772075" cy="2221949"/>
+          </a:xfrm>
+          <a:prstGeom prst="rect">
+            <a:avLst/>
+          </a:prstGeom>
+        </p:spPr>
+      </p:pic>
     </p:spTree>
     <p:extLst>
       <p:ext uri="{BB962C8B-B14F-4D97-AF65-F5344CB8AC3E}">
-        <p14:creationId xmlns:p14="http://schemas.microsoft.com/office/powerpoint/2010/main" val="643654984"/>
+        <p14:creationId xmlns:p14="http://schemas.microsoft.com/office/powerpoint/2010/main" val="1556755810"/>
       </p:ext>
     </p:extLst>
   </p:cSld>
@@ -9252,6 +9306,92 @@
 </file>
 
 <file path=ppt/slides/slide17.xml><?xml version="1.0" encoding="utf-8"?>
+<p:sld xmlns:a="http://schemas.openxmlformats.org/drawingml/2006/main" xmlns:r="http://schemas.openxmlformats.org/officeDocument/2006/relationships" xmlns:p="http://schemas.openxmlformats.org/presentationml/2006/main" show="0">
+  <p:cSld>
+    <p:spTree>
+      <p:nvGrpSpPr>
+        <p:cNvPr id="1" name=""/>
+        <p:cNvGrpSpPr/>
+        <p:nvPr/>
+      </p:nvGrpSpPr>
+      <p:grpSpPr>
+        <a:xfrm>
+          <a:off x="0" y="0"/>
+          <a:ext cx="0" cy="0"/>
+          <a:chOff x="0" y="0"/>
+          <a:chExt cx="0" cy="0"/>
+        </a:xfrm>
+      </p:grpSpPr>
+      <p:sp>
+        <p:nvSpPr>
+          <p:cNvPr id="2" name="Title 1">
+            <a:extLst>
+              <a:ext uri="{FF2B5EF4-FFF2-40B4-BE49-F238E27FC236}">
+                <a16:creationId xmlns:a16="http://schemas.microsoft.com/office/drawing/2014/main" id="{39FD6E60-E0C7-4055-E009-E4BC8101B99F}"/>
+              </a:ext>
+            </a:extLst>
+          </p:cNvPr>
+          <p:cNvSpPr>
+            <a:spLocks noGrp="1"/>
+          </p:cNvSpPr>
+          <p:nvPr>
+            <p:ph type="title"/>
+          </p:nvPr>
+        </p:nvSpPr>
+        <p:spPr/>
+        <p:txBody>
+          <a:bodyPr/>
+          <a:lstStyle/>
+          <a:p>
+            <a:r>
+              <a:rPr lang="en-US" dirty="0"/>
+              <a:t>FUTURE - TODO</a:t>
+            </a:r>
+          </a:p>
+        </p:txBody>
+      </p:sp>
+      <p:sp>
+        <p:nvSpPr>
+          <p:cNvPr id="3" name="Content Placeholder 2">
+            <a:extLst>
+              <a:ext uri="{FF2B5EF4-FFF2-40B4-BE49-F238E27FC236}">
+                <a16:creationId xmlns:a16="http://schemas.microsoft.com/office/drawing/2014/main" id="{B4A7EFD3-A4DC-DD31-3DCF-32ED7FE7E00A}"/>
+              </a:ext>
+            </a:extLst>
+          </p:cNvPr>
+          <p:cNvSpPr>
+            <a:spLocks noGrp="1"/>
+          </p:cNvSpPr>
+          <p:nvPr>
+            <p:ph idx="1"/>
+          </p:nvPr>
+        </p:nvSpPr>
+        <p:spPr/>
+        <p:txBody>
+          <a:bodyPr/>
+          <a:lstStyle/>
+          <a:p>
+            <a:r>
+              <a:rPr lang="en-US" dirty="0"/>
+              <a:t>HOUSE EXAMPLE INSTEAD OF MAIN, A, B </a:t>
+            </a:r>
+          </a:p>
+        </p:txBody>
+      </p:sp>
+    </p:spTree>
+    <p:extLst>
+      <p:ext uri="{BB962C8B-B14F-4D97-AF65-F5344CB8AC3E}">
+        <p14:creationId xmlns:p14="http://schemas.microsoft.com/office/powerpoint/2010/main" val="734619178"/>
+      </p:ext>
+    </p:extLst>
+  </p:cSld>
+  <p:clrMapOvr>
+    <a:masterClrMapping/>
+  </p:clrMapOvr>
+</p:sld>
+</file>
+
+<file path=ppt/slides/slide18.xml><?xml version="1.0" encoding="utf-8"?>
 <p:sld xmlns:a="http://schemas.openxmlformats.org/drawingml/2006/main" xmlns:r="http://schemas.openxmlformats.org/officeDocument/2006/relationships" xmlns:p="http://schemas.openxmlformats.org/presentationml/2006/main">
   <p:cSld>
     <p:spTree>
@@ -9280,30 +9420,50 @@
         </p:nvSpPr>
         <p:spPr>
           <a:xfrm>
-            <a:off x="238232" y="118546"/>
-            <a:ext cx="7886700" cy="1325563"/>
+            <a:off x="227958" y="287346"/>
+            <a:ext cx="7886700" cy="1215639"/>
           </a:xfrm>
         </p:spPr>
         <p:txBody>
-          <a:bodyPr/>
+          <a:bodyPr>
+            <a:normAutofit fontScale="90000"/>
+          </a:bodyPr>
           <a:lstStyle/>
           <a:p>
             <a:r>
-              <a:rPr lang="en-US"/>
-              <a:t>1. Draw by Hand OR</a:t>
+              <a:rPr lang="en-US" dirty="0"/>
+              <a:t>Now, use </a:t>
+            </a:r>
+            <a:r>
+              <a:rPr lang="en-US" dirty="0" err="1"/>
+              <a:t>PlantUML</a:t>
+            </a:r>
+            <a:r>
+              <a:rPr lang="en-US" dirty="0"/>
+              <a:t> to recreate</a:t>
             </a:r>
             <a:br>
-              <a:rPr lang="en-US"/>
+              <a:rPr lang="en-US" dirty="0"/>
             </a:br>
             <a:r>
-              <a:rPr lang="en-US"/>
-              <a:t>2. </a:t>
-            </a:r>
-            <a:r>
-              <a:rPr lang="en-US" err="1"/>
+              <a:rPr lang="en-US" dirty="0"/>
+              <a:t>the diagram below</a:t>
+            </a:r>
+            <a:br>
+              <a:rPr lang="en-US" dirty="0"/>
+            </a:br>
+            <a:r>
+              <a:rPr lang="en-US" dirty="0"/>
+              <a:t>Here’s the </a:t>
+            </a:r>
+            <a:r>
+              <a:rPr lang="en-US" dirty="0" err="1"/>
               <a:t>PlantUML</a:t>
             </a:r>
-            <a:endParaRPr lang="en-US"/>
+            <a:r>
+              <a:rPr lang="en-US" dirty="0"/>
+              <a:t> code</a:t>
+            </a:r>
           </a:p>
         </p:txBody>
       </p:sp>
@@ -9330,45 +9490,45 @@
           <a:lstStyle/>
           <a:p>
             <a:r>
-              <a:rPr lang="en-US"/>
+              <a:rPr lang="en-US" dirty="0"/>
               <a:t>General website</a:t>
             </a:r>
-            <a:endParaRPr lang="en-US">
+            <a:endParaRPr lang="en-US" dirty="0">
               <a:hlinkClick r:id="rId2"/>
             </a:endParaRPr>
           </a:p>
           <a:p>
             <a:r>
-              <a:rPr lang="en-US">
+              <a:rPr lang="en-US" dirty="0">
                 <a:hlinkClick r:id="rId2"/>
               </a:rPr>
               <a:t>https://plantuml.com/</a:t>
             </a:r>
-            <a:endParaRPr lang="en-US"/>
-          </a:p>
-          <a:p>
-            <a:endParaRPr lang="en-US"/>
-          </a:p>
-          <a:p>
-            <a:r>
-              <a:rPr lang="en-US"/>
+            <a:endParaRPr lang="en-US" dirty="0"/>
+          </a:p>
+          <a:p>
+            <a:endParaRPr lang="en-US" dirty="0"/>
+          </a:p>
+          <a:p>
+            <a:r>
+              <a:rPr lang="en-US" dirty="0"/>
               <a:t>Free Browser Based Online Server</a:t>
             </a:r>
           </a:p>
           <a:p>
             <a:r>
-              <a:rPr lang="en-US">
+              <a:rPr lang="en-US" dirty="0">
                 <a:hlinkClick r:id="rId3"/>
               </a:rPr>
               <a:t>http://www.plantuml.com/plantuml/</a:t>
             </a:r>
-            <a:endParaRPr lang="en-US"/>
-          </a:p>
-          <a:p>
-            <a:endParaRPr lang="en-US"/>
-          </a:p>
-          <a:p>
-            <a:endParaRPr lang="en-US"/>
+            <a:endParaRPr lang="en-US" dirty="0"/>
+          </a:p>
+          <a:p>
+            <a:endParaRPr lang="en-US" dirty="0"/>
+          </a:p>
+          <a:p>
+            <a:endParaRPr lang="en-US" dirty="0"/>
           </a:p>
         </p:txBody>
       </p:sp>
@@ -9408,60 +9568,49 @@
           <a:lstStyle/>
           <a:p>
             <a:r>
-              <a:rPr lang="en-US" sz="1600">
+              <a:rPr lang="en-US" sz="1600" dirty="0">
                 <a:latin typeface="Courier New" panose="02070309020205020404" pitchFamily="49" charset="0"/>
                 <a:cs typeface="Courier New" panose="02070309020205020404" pitchFamily="49" charset="0"/>
               </a:rPr>
-              <a:t>@</a:t>
-            </a:r>
-            <a:r>
-              <a:rPr lang="en-US" sz="1600" err="1">
-                <a:latin typeface="Courier New" panose="02070309020205020404" pitchFamily="49" charset="0"/>
-                <a:cs typeface="Courier New" panose="02070309020205020404" pitchFamily="49" charset="0"/>
-              </a:rPr>
-              <a:t>startuml</a:t>
-            </a:r>
-            <a:endParaRPr lang="en-US" sz="1600">
-              <a:latin typeface="Courier New" panose="02070309020205020404" pitchFamily="49" charset="0"/>
-              <a:cs typeface="Courier New" panose="02070309020205020404" pitchFamily="49" charset="0"/>
-            </a:endParaRPr>
-          </a:p>
-          <a:p>
-            <a:r>
-              <a:rPr lang="en-US" sz="1600" err="1">
+              <a:t>@startuml</a:t>
+            </a:r>
+          </a:p>
+          <a:p>
+            <a:r>
+              <a:rPr lang="en-US" sz="1600" dirty="0" err="1">
                 <a:latin typeface="Courier New" panose="02070309020205020404" pitchFamily="49" charset="0"/>
                 <a:cs typeface="Courier New" panose="02070309020205020404" pitchFamily="49" charset="0"/>
               </a:rPr>
               <a:t>skinparam</a:t>
             </a:r>
             <a:r>
-              <a:rPr lang="en-US" sz="1600">
+              <a:rPr lang="en-US" sz="1600" dirty="0">
                 <a:latin typeface="Courier New" panose="02070309020205020404" pitchFamily="49" charset="0"/>
                 <a:cs typeface="Courier New" panose="02070309020205020404" pitchFamily="49" charset="0"/>
               </a:rPr>
               <a:t> style </a:t>
             </a:r>
             <a:r>
-              <a:rPr lang="en-US" sz="1600" err="1">
+              <a:rPr lang="en-US" sz="1600" dirty="0" err="1">
                 <a:latin typeface="Courier New" panose="02070309020205020404" pitchFamily="49" charset="0"/>
                 <a:cs typeface="Courier New" panose="02070309020205020404" pitchFamily="49" charset="0"/>
               </a:rPr>
               <a:t>strictuml</a:t>
             </a:r>
-            <a:endParaRPr lang="en-US" sz="1600">
+            <a:endParaRPr lang="en-US" sz="1600" dirty="0">
               <a:latin typeface="Courier New" panose="02070309020205020404" pitchFamily="49" charset="0"/>
               <a:cs typeface="Courier New" panose="02070309020205020404" pitchFamily="49" charset="0"/>
             </a:endParaRPr>
           </a:p>
           <a:p>
-            <a:endParaRPr lang="en-US" sz="1600">
+            <a:endParaRPr lang="en-US" sz="1600" dirty="0">
               <a:latin typeface="Courier New" panose="02070309020205020404" pitchFamily="49" charset="0"/>
               <a:cs typeface="Courier New" panose="02070309020205020404" pitchFamily="49" charset="0"/>
             </a:endParaRPr>
           </a:p>
           <a:p>
             <a:r>
-              <a:rPr lang="en-US" sz="1600">
+              <a:rPr lang="en-US" sz="1600" dirty="0">
                 <a:latin typeface="Courier New" panose="02070309020205020404" pitchFamily="49" charset="0"/>
                 <a:cs typeface="Courier New" panose="02070309020205020404" pitchFamily="49" charset="0"/>
               </a:rPr>
@@ -9470,7 +9619,7 @@
           </a:p>
           <a:p>
             <a:r>
-              <a:rPr lang="en-US" sz="1600">
+              <a:rPr lang="en-US" sz="1600" dirty="0">
                 <a:latin typeface="Courier New" panose="02070309020205020404" pitchFamily="49" charset="0"/>
                 <a:cs typeface="Courier New" panose="02070309020205020404" pitchFamily="49" charset="0"/>
               </a:rPr>
@@ -9479,7 +9628,7 @@
           </a:p>
           <a:p>
             <a:r>
-              <a:rPr lang="en-US" sz="1600">
+              <a:rPr lang="en-US" sz="1600" dirty="0">
                 <a:latin typeface="Courier New" panose="02070309020205020404" pitchFamily="49" charset="0"/>
                 <a:cs typeface="Courier New" panose="02070309020205020404" pitchFamily="49" charset="0"/>
               </a:rPr>
@@ -9488,7 +9637,7 @@
           </a:p>
           <a:p>
             <a:r>
-              <a:rPr lang="en-US" sz="1600">
+              <a:rPr lang="en-US" sz="1600" dirty="0">
                 <a:latin typeface="Courier New" panose="02070309020205020404" pitchFamily="49" charset="0"/>
                 <a:cs typeface="Courier New" panose="02070309020205020404" pitchFamily="49" charset="0"/>
               </a:rPr>
@@ -9496,14 +9645,14 @@
             </a:r>
           </a:p>
           <a:p>
-            <a:endParaRPr lang="en-US" sz="1600">
+            <a:endParaRPr lang="en-US" sz="1600" dirty="0">
               <a:latin typeface="Courier New" panose="02070309020205020404" pitchFamily="49" charset="0"/>
               <a:cs typeface="Courier New" panose="02070309020205020404" pitchFamily="49" charset="0"/>
             </a:endParaRPr>
           </a:p>
           <a:p>
             <a:r>
-              <a:rPr lang="en-US" sz="1600">
+              <a:rPr lang="en-US" sz="1600" dirty="0">
                 <a:latin typeface="Courier New" panose="02070309020205020404" pitchFamily="49" charset="0"/>
                 <a:cs typeface="Courier New" panose="02070309020205020404" pitchFamily="49" charset="0"/>
               </a:rPr>
@@ -9512,7 +9661,7 @@
           </a:p>
           <a:p>
             <a:r>
-              <a:rPr lang="en-US" sz="1600">
+              <a:rPr lang="en-US" sz="1600" dirty="0">
                 <a:latin typeface="Courier New" panose="02070309020205020404" pitchFamily="49" charset="0"/>
                 <a:cs typeface="Courier New" panose="02070309020205020404" pitchFamily="49" charset="0"/>
               </a:rPr>
@@ -9521,7 +9670,7 @@
           </a:p>
           <a:p>
             <a:r>
-              <a:rPr lang="en-US" sz="1600">
+              <a:rPr lang="en-US" sz="1600" dirty="0">
                 <a:latin typeface="Courier New" panose="02070309020205020404" pitchFamily="49" charset="0"/>
                 <a:cs typeface="Courier New" panose="02070309020205020404" pitchFamily="49" charset="0"/>
               </a:rPr>
@@ -9530,21 +9679,21 @@
           </a:p>
           <a:p>
             <a:r>
-              <a:rPr lang="en-US" sz="1600">
+              <a:rPr lang="en-US" sz="1600" dirty="0">
                 <a:latin typeface="Courier New" panose="02070309020205020404" pitchFamily="49" charset="0"/>
                 <a:cs typeface="Courier New" panose="02070309020205020404" pitchFamily="49" charset="0"/>
               </a:rPr>
               <a:t>   </a:t>
             </a:r>
             <a:r>
-              <a:rPr lang="en-US" sz="1600" err="1">
+              <a:rPr lang="en-US" sz="1600" dirty="0" err="1">
                 <a:latin typeface="Courier New" panose="02070309020205020404" pitchFamily="49" charset="0"/>
                 <a:cs typeface="Courier New" panose="02070309020205020404" pitchFamily="49" charset="0"/>
               </a:rPr>
               <a:t>setBValue</a:t>
             </a:r>
             <a:r>
-              <a:rPr lang="en-US" sz="1600">
+              <a:rPr lang="en-US" sz="1600" dirty="0">
                 <a:latin typeface="Courier New" panose="02070309020205020404" pitchFamily="49" charset="0"/>
                 <a:cs typeface="Courier New" panose="02070309020205020404" pitchFamily="49" charset="0"/>
               </a:rPr>
@@ -9553,7 +9702,7 @@
           </a:p>
           <a:p>
             <a:r>
-              <a:rPr lang="en-US" sz="1600">
+              <a:rPr lang="en-US" sz="1600" dirty="0">
                 <a:latin typeface="Courier New" panose="02070309020205020404" pitchFamily="49" charset="0"/>
                 <a:cs typeface="Courier New" panose="02070309020205020404" pitchFamily="49" charset="0"/>
               </a:rPr>
@@ -9561,14 +9710,14 @@
             </a:r>
           </a:p>
           <a:p>
-            <a:endParaRPr lang="en-US" sz="1600">
+            <a:endParaRPr lang="en-US" sz="1600" dirty="0">
               <a:latin typeface="Courier New" panose="02070309020205020404" pitchFamily="49" charset="0"/>
               <a:cs typeface="Courier New" panose="02070309020205020404" pitchFamily="49" charset="0"/>
             </a:endParaRPr>
           </a:p>
           <a:p>
             <a:r>
-              <a:rPr lang="en-US" sz="1600">
+              <a:rPr lang="en-US" sz="1600" dirty="0">
                 <a:latin typeface="Courier New" panose="02070309020205020404" pitchFamily="49" charset="0"/>
                 <a:cs typeface="Courier New" panose="02070309020205020404" pitchFamily="49" charset="0"/>
               </a:rPr>
@@ -9577,7 +9726,7 @@
           </a:p>
           <a:p>
             <a:r>
-              <a:rPr lang="en-US" sz="1600">
+              <a:rPr lang="en-US" sz="1600" dirty="0">
                 <a:latin typeface="Courier New" panose="02070309020205020404" pitchFamily="49" charset="0"/>
                 <a:cs typeface="Courier New" panose="02070309020205020404" pitchFamily="49" charset="0"/>
               </a:rPr>
@@ -9586,7 +9735,7 @@
           </a:p>
           <a:p>
             <a:r>
-              <a:rPr lang="en-US" sz="1600">
+              <a:rPr lang="en-US" sz="1600" dirty="0">
                 <a:latin typeface="Courier New" panose="02070309020205020404" pitchFamily="49" charset="0"/>
                 <a:cs typeface="Courier New" panose="02070309020205020404" pitchFamily="49" charset="0"/>
               </a:rPr>
@@ -9595,21 +9744,21 @@
           </a:p>
           <a:p>
             <a:r>
-              <a:rPr lang="en-US" sz="1600">
+              <a:rPr lang="en-US" sz="1600" dirty="0">
                 <a:latin typeface="Courier New" panose="02070309020205020404" pitchFamily="49" charset="0"/>
                 <a:cs typeface="Courier New" panose="02070309020205020404" pitchFamily="49" charset="0"/>
               </a:rPr>
               <a:t>   </a:t>
             </a:r>
             <a:r>
-              <a:rPr lang="en-US" sz="1600" err="1">
+              <a:rPr lang="en-US" sz="1600" dirty="0" err="1">
                 <a:latin typeface="Courier New" panose="02070309020205020404" pitchFamily="49" charset="0"/>
                 <a:cs typeface="Courier New" panose="02070309020205020404" pitchFamily="49" charset="0"/>
               </a:rPr>
               <a:t>setValue</a:t>
             </a:r>
             <a:r>
-              <a:rPr lang="en-US" sz="1600">
+              <a:rPr lang="en-US" sz="1600" dirty="0">
                 <a:latin typeface="Courier New" panose="02070309020205020404" pitchFamily="49" charset="0"/>
                 <a:cs typeface="Courier New" panose="02070309020205020404" pitchFamily="49" charset="0"/>
               </a:rPr>
@@ -9618,7 +9767,7 @@
           </a:p>
           <a:p>
             <a:r>
-              <a:rPr lang="en-US" sz="1600">
+              <a:rPr lang="en-US" sz="1600" dirty="0">
                 <a:latin typeface="Courier New" panose="02070309020205020404" pitchFamily="49" charset="0"/>
                 <a:cs typeface="Courier New" panose="02070309020205020404" pitchFamily="49" charset="0"/>
               </a:rPr>
@@ -9626,14 +9775,14 @@
             </a:r>
           </a:p>
           <a:p>
-            <a:endParaRPr lang="en-US" sz="1600">
+            <a:endParaRPr lang="en-US" sz="1600" dirty="0">
               <a:latin typeface="Courier New" panose="02070309020205020404" pitchFamily="49" charset="0"/>
               <a:cs typeface="Courier New" panose="02070309020205020404" pitchFamily="49" charset="0"/>
             </a:endParaRPr>
           </a:p>
           <a:p>
             <a:r>
-              <a:rPr lang="en-US" sz="1600">
+              <a:rPr lang="en-US" sz="1600" dirty="0">
                 <a:latin typeface="Courier New" panose="02070309020205020404" pitchFamily="49" charset="0"/>
                 <a:cs typeface="Courier New" panose="02070309020205020404" pitchFamily="49" charset="0"/>
               </a:rPr>
@@ -9642,7 +9791,7 @@
           </a:p>
           <a:p>
             <a:r>
-              <a:rPr lang="en-US" sz="1600">
+              <a:rPr lang="en-US" sz="1600" dirty="0">
                 <a:latin typeface="Courier New" panose="02070309020205020404" pitchFamily="49" charset="0"/>
                 <a:cs typeface="Courier New" panose="02070309020205020404" pitchFamily="49" charset="0"/>
               </a:rPr>
@@ -9650,33 +9799,22 @@
             </a:r>
           </a:p>
           <a:p>
-            <a:endParaRPr lang="en-US" sz="1600">
+            <a:endParaRPr lang="en-US" sz="1600" dirty="0">
               <a:latin typeface="Courier New" panose="02070309020205020404" pitchFamily="49" charset="0"/>
               <a:cs typeface="Courier New" panose="02070309020205020404" pitchFamily="49" charset="0"/>
             </a:endParaRPr>
           </a:p>
           <a:p>
             <a:r>
-              <a:rPr lang="en-US" sz="1600">
+              <a:rPr lang="en-US" sz="1600" dirty="0">
                 <a:latin typeface="Courier New" panose="02070309020205020404" pitchFamily="49" charset="0"/>
                 <a:cs typeface="Courier New" panose="02070309020205020404" pitchFamily="49" charset="0"/>
               </a:rPr>
-              <a:t>@</a:t>
-            </a:r>
-            <a:r>
-              <a:rPr lang="en-US" sz="1600" err="1">
-                <a:latin typeface="Courier New" panose="02070309020205020404" pitchFamily="49" charset="0"/>
-                <a:cs typeface="Courier New" panose="02070309020205020404" pitchFamily="49" charset="0"/>
-              </a:rPr>
-              <a:t>enduml</a:t>
-            </a:r>
-            <a:endParaRPr lang="en-US" sz="1600">
-              <a:latin typeface="Courier New" panose="02070309020205020404" pitchFamily="49" charset="0"/>
-              <a:cs typeface="Courier New" panose="02070309020205020404" pitchFamily="49" charset="0"/>
-            </a:endParaRPr>
-          </a:p>
-          <a:p>
-            <a:endParaRPr lang="en-US"/>
+              <a:t>@enduml</a:t>
+            </a:r>
+          </a:p>
+          <a:p>
+            <a:endParaRPr lang="en-US" dirty="0"/>
           </a:p>
         </p:txBody>
       </p:sp>
@@ -10051,8 +10189,8 @@
         </p:nvCxnSpPr>
         <p:spPr>
           <a:xfrm flipV="1">
-            <a:off x="2537717" y="750013"/>
-            <a:ext cx="2609636" cy="256855"/>
+            <a:off x="4376790" y="811657"/>
+            <a:ext cx="800122" cy="472613"/>
           </a:xfrm>
           <a:prstGeom prst="straightConnector1">
             <a:avLst/>
@@ -10082,7 +10220,7 @@
     </p:spTree>
     <p:extLst>
       <p:ext uri="{BB962C8B-B14F-4D97-AF65-F5344CB8AC3E}">
-        <p14:creationId xmlns:p14="http://schemas.microsoft.com/office/powerpoint/2010/main" val="2029327197"/>
+        <p14:creationId xmlns:p14="http://schemas.microsoft.com/office/powerpoint/2010/main" val="3100295621"/>
       </p:ext>
     </p:extLst>
   </p:cSld>
@@ -10092,7 +10230,7 @@
 </p:sld>
 </file>
 
-<file path=ppt/slides/slide18.xml><?xml version="1.0" encoding="utf-8"?>
+<file path=ppt/slides/slide19.xml><?xml version="1.0" encoding="utf-8"?>
 <p:sld xmlns:a="http://schemas.openxmlformats.org/drawingml/2006/main" xmlns:r="http://schemas.openxmlformats.org/officeDocument/2006/relationships" xmlns:p="http://schemas.openxmlformats.org/presentationml/2006/main">
   <p:cSld>
     <p:spTree>
@@ -10127,11 +10265,13 @@
         </p:nvSpPr>
         <p:spPr/>
         <p:txBody>
-          <a:bodyPr/>
+          <a:bodyPr>
+            <a:normAutofit/>
+          </a:bodyPr>
           <a:lstStyle/>
           <a:p>
             <a:r>
-              <a:rPr lang="en-US" dirty="0"/>
+              <a:rPr lang="en-US" sz="5400" dirty="0"/>
               <a:t>Now - practice</a:t>
             </a:r>
           </a:p>
@@ -10155,315 +10295,33 @@
         </p:nvSpPr>
         <p:spPr/>
         <p:txBody>
-          <a:bodyPr/>
-          <a:lstStyle/>
-          <a:p>
-            <a:r>
-              <a:rPr lang="en-US" dirty="0"/>
-              <a:t>From the today’s in-class quiz do questions #1 and #2</a:t>
-            </a:r>
-          </a:p>
-          <a:p>
-            <a:r>
-              <a:rPr lang="en-US" dirty="0"/>
-              <a:t>About 10 minutes</a:t>
-            </a:r>
-          </a:p>
-          <a:p>
-            <a:r>
-              <a:rPr lang="en-US" b="1" dirty="0">
-                <a:highlight>
-                  <a:srgbClr val="FFFF00"/>
-                </a:highlight>
-              </a:rPr>
-              <a:t>For #2 ONLY write this down on paper for now…</a:t>
-            </a:r>
-          </a:p>
-          <a:p>
-            <a:r>
-              <a:rPr lang="en-US" b="1" dirty="0"/>
-              <a:t>Soon, we will show you how to generate a digital UML Diagram</a:t>
-            </a:r>
-            <a:endParaRPr lang="en-US" dirty="0"/>
-          </a:p>
-        </p:txBody>
-      </p:sp>
-      <p:pic>
-        <p:nvPicPr>
-          <p:cNvPr id="2050" name="Picture 2">
-            <a:extLst>
-              <a:ext uri="{FF2B5EF4-FFF2-40B4-BE49-F238E27FC236}">
-                <a16:creationId xmlns:a16="http://schemas.microsoft.com/office/drawing/2014/main" id="{C20152C3-D707-75FC-19A6-F7EF87B405E5}"/>
-              </a:ext>
-            </a:extLst>
-          </p:cNvPr>
-          <p:cNvPicPr>
-            <a:picLocks noChangeAspect="1" noChangeArrowheads="1"/>
-          </p:cNvPicPr>
-          <p:nvPr/>
-        </p:nvPicPr>
-        <p:blipFill>
-          <a:blip r:embed="rId2">
-            <a:extLst>
-              <a:ext uri="{28A0092B-C50C-407E-A947-70E740481C1C}">
-                <a14:useLocalDpi xmlns:a14="http://schemas.microsoft.com/office/drawing/2010/main" val="0"/>
-              </a:ext>
-            </a:extLst>
-          </a:blip>
-          <a:srcRect/>
-          <a:stretch>
-            <a:fillRect/>
-          </a:stretch>
-        </p:blipFill>
-        <p:spPr bwMode="auto">
-          <a:xfrm>
-            <a:off x="3925956" y="100186"/>
-            <a:ext cx="4343155" cy="1737262"/>
-          </a:xfrm>
-          <a:prstGeom prst="rect">
-            <a:avLst/>
-          </a:prstGeom>
-          <a:noFill/>
-          <a:extLst>
-            <a:ext uri="{909E8E84-426E-40DD-AFC4-6F175D3DCCD1}">
-              <a14:hiddenFill xmlns:a14="http://schemas.microsoft.com/office/drawing/2010/main">
-                <a:solidFill>
-                  <a:srgbClr val="FFFFFF"/>
-                </a:solidFill>
-              </a14:hiddenFill>
-            </a:ext>
-          </a:extLst>
-        </p:spPr>
-      </p:pic>
-      <p:pic>
-        <p:nvPicPr>
-          <p:cNvPr id="5" name="Picture 4">
-            <a:extLst>
-              <a:ext uri="{FF2B5EF4-FFF2-40B4-BE49-F238E27FC236}">
-                <a16:creationId xmlns:a16="http://schemas.microsoft.com/office/drawing/2014/main" id="{93FCC13E-31B5-EAE8-B4F2-15869FBA6862}"/>
-              </a:ext>
-            </a:extLst>
-          </p:cNvPr>
-          <p:cNvPicPr>
-            <a:picLocks noChangeAspect="1"/>
-          </p:cNvPicPr>
-          <p:nvPr/>
-        </p:nvPicPr>
-        <p:blipFill>
-          <a:blip r:embed="rId3"/>
-          <a:stretch>
-            <a:fillRect/>
-          </a:stretch>
-        </p:blipFill>
-        <p:spPr>
-          <a:xfrm>
-            <a:off x="743294" y="3429000"/>
-            <a:ext cx="5115639" cy="1247949"/>
-          </a:xfrm>
-          <a:prstGeom prst="rect">
-            <a:avLst/>
-          </a:prstGeom>
-        </p:spPr>
-      </p:pic>
-      <p:pic>
-        <p:nvPicPr>
-          <p:cNvPr id="7" name="Picture 6">
-            <a:extLst>
-              <a:ext uri="{FF2B5EF4-FFF2-40B4-BE49-F238E27FC236}">
-                <a16:creationId xmlns:a16="http://schemas.microsoft.com/office/drawing/2014/main" id="{2EC15640-C870-8207-15BC-AF83FC5CFD1C}"/>
-              </a:ext>
-            </a:extLst>
-          </p:cNvPr>
-          <p:cNvPicPr>
-            <a:picLocks noChangeAspect="1"/>
-          </p:cNvPicPr>
-          <p:nvPr/>
-        </p:nvPicPr>
-        <p:blipFill>
-          <a:blip r:embed="rId4"/>
-          <a:stretch>
-            <a:fillRect/>
-          </a:stretch>
-        </p:blipFill>
-        <p:spPr>
-          <a:xfrm>
-            <a:off x="752829" y="4713437"/>
-            <a:ext cx="5230283" cy="2025140"/>
-          </a:xfrm>
-          <a:prstGeom prst="rect">
-            <a:avLst/>
-          </a:prstGeom>
-        </p:spPr>
-      </p:pic>
-      <p:sp>
-        <p:nvSpPr>
-          <p:cNvPr id="8" name="TextBox 7">
-            <a:extLst>
-              <a:ext uri="{FF2B5EF4-FFF2-40B4-BE49-F238E27FC236}">
-                <a16:creationId xmlns:a16="http://schemas.microsoft.com/office/drawing/2014/main" id="{DCE8D3ED-34C2-C244-9C86-52B8CC63DA78}"/>
-              </a:ext>
-            </a:extLst>
-          </p:cNvPr>
-          <p:cNvSpPr txBox="1"/>
-          <p:nvPr/>
-        </p:nvSpPr>
-        <p:spPr>
-          <a:xfrm>
-            <a:off x="304800" y="3883378"/>
-            <a:ext cx="417102" cy="369332"/>
-          </a:xfrm>
-          <a:prstGeom prst="rect">
-            <a:avLst/>
-          </a:prstGeom>
-          <a:noFill/>
-        </p:spPr>
-        <p:txBody>
-          <a:bodyPr wrap="none" rtlCol="0">
-            <a:spAutoFit/>
+          <a:bodyPr>
+            <a:normAutofit/>
           </a:bodyPr>
           <a:lstStyle/>
           <a:p>
             <a:r>
-              <a:rPr lang="en-US" b="1" dirty="0"/>
-              <a:t>#1</a:t>
-            </a:r>
-          </a:p>
-        </p:txBody>
-      </p:sp>
-      <p:sp>
-        <p:nvSpPr>
-          <p:cNvPr id="9" name="TextBox 8">
-            <a:extLst>
-              <a:ext uri="{FF2B5EF4-FFF2-40B4-BE49-F238E27FC236}">
-                <a16:creationId xmlns:a16="http://schemas.microsoft.com/office/drawing/2014/main" id="{7C514624-1737-5DC8-59BB-9AA1E59B3593}"/>
-              </a:ext>
-            </a:extLst>
-          </p:cNvPr>
-          <p:cNvSpPr txBox="1"/>
-          <p:nvPr/>
-        </p:nvSpPr>
-        <p:spPr>
-          <a:xfrm>
-            <a:off x="304800" y="5209822"/>
-            <a:ext cx="417102" cy="369332"/>
-          </a:xfrm>
-          <a:prstGeom prst="rect">
-            <a:avLst/>
-          </a:prstGeom>
-          <a:noFill/>
-        </p:spPr>
-        <p:txBody>
-          <a:bodyPr wrap="none" rtlCol="0">
-            <a:spAutoFit/>
-          </a:bodyPr>
-          <a:lstStyle/>
-          <a:p>
-            <a:r>
-              <a:rPr lang="en-US" b="1" dirty="0"/>
-              <a:t>#2</a:t>
-            </a:r>
+              <a:rPr lang="en-US" sz="4000" dirty="0"/>
+              <a:t>Back to the hand drawn Quiz Question #2</a:t>
+            </a:r>
+          </a:p>
+          <a:p>
+            <a:r>
+              <a:rPr lang="en-US" sz="4000" b="1" dirty="0"/>
+              <a:t>Generate a digital UML Diagram now using </a:t>
+            </a:r>
+            <a:r>
+              <a:rPr lang="en-US" sz="4000" b="1" dirty="0" err="1"/>
+              <a:t>PlantUML</a:t>
+            </a:r>
+            <a:endParaRPr lang="en-US" sz="4000" b="1" dirty="0"/>
           </a:p>
         </p:txBody>
       </p:sp>
     </p:spTree>
     <p:extLst>
       <p:ext uri="{BB962C8B-B14F-4D97-AF65-F5344CB8AC3E}">
-        <p14:creationId xmlns:p14="http://schemas.microsoft.com/office/powerpoint/2010/main" val="938312464"/>
-      </p:ext>
-    </p:extLst>
-  </p:cSld>
-  <p:clrMapOvr>
-    <a:masterClrMapping/>
-  </p:clrMapOvr>
-</p:sld>
-</file>
-
-<file path=ppt/slides/slide19.xml><?xml version="1.0" encoding="utf-8"?>
-<p:sld xmlns:a="http://schemas.openxmlformats.org/drawingml/2006/main" xmlns:r="http://schemas.openxmlformats.org/officeDocument/2006/relationships" xmlns:p="http://schemas.openxmlformats.org/presentationml/2006/main">
-  <p:cSld>
-    <p:spTree>
-      <p:nvGrpSpPr>
-        <p:cNvPr id="1" name=""/>
-        <p:cNvGrpSpPr/>
-        <p:nvPr/>
-      </p:nvGrpSpPr>
-      <p:grpSpPr>
-        <a:xfrm>
-          <a:off x="0" y="0"/>
-          <a:ext cx="0" cy="0"/>
-          <a:chOff x="0" y="0"/>
-          <a:chExt cx="0" cy="0"/>
-        </a:xfrm>
-      </p:grpSpPr>
-      <p:pic>
-        <p:nvPicPr>
-          <p:cNvPr id="8" name="Picture 7">
-            <a:extLst>
-              <a:ext uri="{FF2B5EF4-FFF2-40B4-BE49-F238E27FC236}">
-                <a16:creationId xmlns:a16="http://schemas.microsoft.com/office/drawing/2014/main" id="{F6BA9A5E-1F45-254F-BB17-005996914178}"/>
-              </a:ext>
-            </a:extLst>
-          </p:cNvPr>
-          <p:cNvPicPr>
-            <a:picLocks noChangeAspect="1"/>
-          </p:cNvPicPr>
-          <p:nvPr/>
-        </p:nvPicPr>
-        <p:blipFill>
-          <a:blip r:embed="rId3"/>
-          <a:stretch>
-            <a:fillRect/>
-          </a:stretch>
-        </p:blipFill>
-        <p:spPr>
-          <a:xfrm>
-            <a:off x="85060" y="0"/>
-            <a:ext cx="8973879" cy="6858000"/>
-          </a:xfrm>
-          <a:prstGeom prst="rect">
-            <a:avLst/>
-          </a:prstGeom>
-        </p:spPr>
-      </p:pic>
-      <p:pic>
-        <p:nvPicPr>
-          <p:cNvPr id="3" name="Picture 2">
-            <a:extLst>
-              <a:ext uri="{FF2B5EF4-FFF2-40B4-BE49-F238E27FC236}">
-                <a16:creationId xmlns:a16="http://schemas.microsoft.com/office/drawing/2014/main" id="{E34B490D-8C0E-3B02-B401-0139131C6B36}"/>
-              </a:ext>
-            </a:extLst>
-          </p:cNvPr>
-          <p:cNvPicPr>
-            <a:picLocks noChangeAspect="1"/>
-          </p:cNvPicPr>
-          <p:nvPr/>
-        </p:nvPicPr>
-        <p:blipFill>
-          <a:blip r:embed="rId4"/>
-          <a:stretch>
-            <a:fillRect/>
-          </a:stretch>
-        </p:blipFill>
-        <p:spPr>
-          <a:xfrm>
-            <a:off x="6725029" y="184037"/>
-            <a:ext cx="2121706" cy="3244963"/>
-          </a:xfrm>
-          <a:prstGeom prst="rect">
-            <a:avLst/>
-          </a:prstGeom>
-          <a:ln>
-            <a:solidFill>
-              <a:srgbClr val="FF0000"/>
-            </a:solidFill>
-          </a:ln>
-        </p:spPr>
-      </p:pic>
-    </p:spTree>
-    <p:extLst>
-      <p:ext uri="{BB962C8B-B14F-4D97-AF65-F5344CB8AC3E}">
-        <p14:creationId xmlns:p14="http://schemas.microsoft.com/office/powerpoint/2010/main" val="3880807236"/>
+        <p14:creationId xmlns:p14="http://schemas.microsoft.com/office/powerpoint/2010/main" val="541699415"/>
       </p:ext>
     </p:extLst>
   </p:cSld>
@@ -10608,1273 +10466,6 @@
     <p:extLst>
       <p:ext uri="{BB962C8B-B14F-4D97-AF65-F5344CB8AC3E}">
         <p14:creationId xmlns:p14="http://schemas.microsoft.com/office/powerpoint/2010/main" val="2944023935"/>
-      </p:ext>
-    </p:extLst>
-  </p:cSld>
-  <p:clrMapOvr>
-    <a:masterClrMapping/>
-  </p:clrMapOvr>
-</p:sld>
-</file>
-
-<file path=ppt/slides/slide20.xml><?xml version="1.0" encoding="utf-8"?>
-<p:sld xmlns:a="http://schemas.openxmlformats.org/drawingml/2006/main" xmlns:r="http://schemas.openxmlformats.org/officeDocument/2006/relationships" xmlns:p="http://schemas.openxmlformats.org/presentationml/2006/main" show="0">
-  <p:cSld>
-    <p:spTree>
-      <p:nvGrpSpPr>
-        <p:cNvPr id="1" name=""/>
-        <p:cNvGrpSpPr/>
-        <p:nvPr/>
-      </p:nvGrpSpPr>
-      <p:grpSpPr>
-        <a:xfrm>
-          <a:off x="0" y="0"/>
-          <a:ext cx="0" cy="0"/>
-          <a:chOff x="0" y="0"/>
-          <a:chExt cx="0" cy="0"/>
-        </a:xfrm>
-      </p:grpSpPr>
-      <p:sp>
-        <p:nvSpPr>
-          <p:cNvPr id="2" name="Title 1">
-            <a:extLst>
-              <a:ext uri="{FF2B5EF4-FFF2-40B4-BE49-F238E27FC236}">
-                <a16:creationId xmlns:a16="http://schemas.microsoft.com/office/drawing/2014/main" id="{39FD6E60-E0C7-4055-E009-E4BC8101B99F}"/>
-              </a:ext>
-            </a:extLst>
-          </p:cNvPr>
-          <p:cNvSpPr>
-            <a:spLocks noGrp="1"/>
-          </p:cNvSpPr>
-          <p:nvPr>
-            <p:ph type="title"/>
-          </p:nvPr>
-        </p:nvSpPr>
-        <p:spPr/>
-        <p:txBody>
-          <a:bodyPr/>
-          <a:lstStyle/>
-          <a:p>
-            <a:r>
-              <a:rPr lang="en-US" dirty="0"/>
-              <a:t>FUTURE - TODO</a:t>
-            </a:r>
-          </a:p>
-        </p:txBody>
-      </p:sp>
-      <p:sp>
-        <p:nvSpPr>
-          <p:cNvPr id="3" name="Content Placeholder 2">
-            <a:extLst>
-              <a:ext uri="{FF2B5EF4-FFF2-40B4-BE49-F238E27FC236}">
-                <a16:creationId xmlns:a16="http://schemas.microsoft.com/office/drawing/2014/main" id="{B4A7EFD3-A4DC-DD31-3DCF-32ED7FE7E00A}"/>
-              </a:ext>
-            </a:extLst>
-          </p:cNvPr>
-          <p:cNvSpPr>
-            <a:spLocks noGrp="1"/>
-          </p:cNvSpPr>
-          <p:nvPr>
-            <p:ph idx="1"/>
-          </p:nvPr>
-        </p:nvSpPr>
-        <p:spPr/>
-        <p:txBody>
-          <a:bodyPr/>
-          <a:lstStyle/>
-          <a:p>
-            <a:r>
-              <a:rPr lang="en-US" dirty="0"/>
-              <a:t>HOUSE EXAMPLE INSTEAD OF MAIN, A, B </a:t>
-            </a:r>
-          </a:p>
-        </p:txBody>
-      </p:sp>
-    </p:spTree>
-    <p:extLst>
-      <p:ext uri="{BB962C8B-B14F-4D97-AF65-F5344CB8AC3E}">
-        <p14:creationId xmlns:p14="http://schemas.microsoft.com/office/powerpoint/2010/main" val="734619178"/>
-      </p:ext>
-    </p:extLst>
-  </p:cSld>
-  <p:clrMapOvr>
-    <a:masterClrMapping/>
-  </p:clrMapOvr>
-</p:sld>
-</file>
-
-<file path=ppt/slides/slide21.xml><?xml version="1.0" encoding="utf-8"?>
-<p:sld xmlns:a="http://schemas.openxmlformats.org/drawingml/2006/main" xmlns:r="http://schemas.openxmlformats.org/officeDocument/2006/relationships" xmlns:p="http://schemas.openxmlformats.org/presentationml/2006/main">
-  <p:cSld>
-    <p:spTree>
-      <p:nvGrpSpPr>
-        <p:cNvPr id="1" name=""/>
-        <p:cNvGrpSpPr/>
-        <p:nvPr/>
-      </p:nvGrpSpPr>
-      <p:grpSpPr>
-        <a:xfrm>
-          <a:off x="0" y="0"/>
-          <a:ext cx="0" cy="0"/>
-          <a:chOff x="0" y="0"/>
-          <a:chExt cx="0" cy="0"/>
-        </a:xfrm>
-      </p:grpSpPr>
-      <p:sp>
-        <p:nvSpPr>
-          <p:cNvPr id="2" name="Title 1"/>
-          <p:cNvSpPr>
-            <a:spLocks noGrp="1"/>
-          </p:cNvSpPr>
-          <p:nvPr>
-            <p:ph type="title"/>
-          </p:nvPr>
-        </p:nvSpPr>
-        <p:spPr>
-          <a:xfrm>
-            <a:off x="2118402" y="41097"/>
-            <a:ext cx="5443377" cy="832207"/>
-          </a:xfrm>
-        </p:spPr>
-        <p:txBody>
-          <a:bodyPr>
-            <a:normAutofit fontScale="90000"/>
-          </a:bodyPr>
-          <a:lstStyle/>
-          <a:p>
-            <a:r>
-              <a:rPr lang="en-US"/>
-              <a:t>Code up a simple UML diagram!</a:t>
-            </a:r>
-          </a:p>
-        </p:txBody>
-      </p:sp>
-      <p:sp>
-        <p:nvSpPr>
-          <p:cNvPr id="3" name="Content Placeholder 2"/>
-          <p:cNvSpPr>
-            <a:spLocks noGrp="1"/>
-          </p:cNvSpPr>
-          <p:nvPr>
-            <p:ph idx="1"/>
-          </p:nvPr>
-        </p:nvSpPr>
-        <p:spPr>
-          <a:xfrm>
-            <a:off x="195208" y="678095"/>
-            <a:ext cx="8650840" cy="2301411"/>
-          </a:xfrm>
-        </p:spPr>
-        <p:txBody>
-          <a:bodyPr>
-            <a:normAutofit fontScale="92500"/>
-          </a:bodyPr>
-          <a:lstStyle/>
-          <a:p>
-            <a:pPr marL="0" indent="0">
-              <a:buNone/>
-            </a:pPr>
-            <a:r>
-              <a:rPr lang="en-US" dirty="0"/>
-              <a:t>Open up Eclipse and turn the UML diagram below into Java classes/code</a:t>
-            </a:r>
-          </a:p>
-          <a:p>
-            <a:pPr marL="234950" indent="-225425">
-              <a:buFont typeface="+mj-lt"/>
-              <a:buAutoNum type="arabicPeriod"/>
-            </a:pPr>
-            <a:r>
-              <a:rPr lang="en-US" dirty="0"/>
-              <a:t>Work in </a:t>
-            </a:r>
-            <a:r>
-              <a:rPr lang="en-US" i="1" dirty="0" err="1"/>
-              <a:t>PracticeFirstOODesign</a:t>
-            </a:r>
-            <a:r>
-              <a:rPr lang="en-US" dirty="0"/>
-              <a:t> (Imported today)</a:t>
-            </a:r>
-          </a:p>
-          <a:p>
-            <a:pPr marL="234950" indent="-225425">
-              <a:buFont typeface="+mj-lt"/>
-              <a:buAutoNum type="arabicPeriod"/>
-            </a:pPr>
-            <a:r>
-              <a:rPr lang="en-US" dirty="0"/>
-              <a:t>Create classes for </a:t>
-            </a:r>
-            <a:r>
-              <a:rPr lang="en-US" i="1" dirty="0"/>
-              <a:t>A</a:t>
-            </a:r>
-            <a:r>
-              <a:rPr lang="en-US" dirty="0"/>
-              <a:t> and </a:t>
-            </a:r>
-            <a:r>
-              <a:rPr lang="en-US" i="1" dirty="0"/>
-              <a:t>B</a:t>
-            </a:r>
-            <a:r>
-              <a:rPr lang="en-US" dirty="0"/>
-              <a:t>, class </a:t>
-            </a:r>
-            <a:r>
-              <a:rPr lang="en-US" i="1" dirty="0"/>
-              <a:t>Main </a:t>
-            </a:r>
-            <a:r>
-              <a:rPr lang="en-US" dirty="0"/>
-              <a:t>has been created for you</a:t>
-            </a:r>
-            <a:endParaRPr lang="en-US" i="1" dirty="0"/>
-          </a:p>
-          <a:p>
-            <a:pPr marL="234950" indent="-225425">
-              <a:buFont typeface="+mj-lt"/>
-              <a:buAutoNum type="arabicPeriod"/>
-            </a:pPr>
-            <a:r>
-              <a:rPr lang="en-US" i="1" dirty="0"/>
-              <a:t>Stub out</a:t>
-            </a:r>
-            <a:r>
-              <a:rPr lang="en-US" dirty="0"/>
-              <a:t> the methods in A and B, i.e., do not provide code between the {  and  }</a:t>
-            </a:r>
-          </a:p>
-          <a:p>
-            <a:pPr marL="234950" indent="-225425">
-              <a:buFont typeface="+mj-lt"/>
-              <a:buAutoNum type="arabicPeriod"/>
-            </a:pPr>
-            <a:r>
-              <a:rPr lang="en-US" dirty="0"/>
-              <a:t>Finally, implement the methods in A, B, and Main</a:t>
-            </a:r>
-          </a:p>
-          <a:p>
-            <a:pPr marL="352425" indent="-342900"/>
-            <a:r>
-              <a:rPr lang="en-US" dirty="0"/>
-              <a:t>Use data types: String and int</a:t>
-            </a:r>
-          </a:p>
-        </p:txBody>
-      </p:sp>
-      <p:pic>
-        <p:nvPicPr>
-          <p:cNvPr id="7" name="Graphic 6">
-            <a:extLst>
-              <a:ext uri="{FF2B5EF4-FFF2-40B4-BE49-F238E27FC236}">
-                <a16:creationId xmlns:a16="http://schemas.microsoft.com/office/drawing/2014/main" id="{794D983B-CF95-8344-843E-28B61AF7E5F4}"/>
-              </a:ext>
-            </a:extLst>
-          </p:cNvPr>
-          <p:cNvPicPr>
-            <a:picLocks noChangeAspect="1"/>
-          </p:cNvPicPr>
-          <p:nvPr/>
-        </p:nvPicPr>
-        <p:blipFill>
-          <a:blip r:embed="rId3">
-            <a:extLst>
-              <a:ext uri="{96DAC541-7B7A-43D3-8B79-37D633B846F1}">
-                <asvg:svgBlip xmlns:asvg="http://schemas.microsoft.com/office/drawing/2016/SVG/main" r:embed="rId4"/>
-              </a:ext>
-            </a:extLst>
-          </a:blip>
-          <a:stretch>
-            <a:fillRect/>
-          </a:stretch>
-        </p:blipFill>
-        <p:spPr>
-          <a:xfrm>
-            <a:off x="414961" y="3328898"/>
-            <a:ext cx="3961829" cy="3228891"/>
-          </a:xfrm>
-          <a:prstGeom prst="rect">
-            <a:avLst/>
-          </a:prstGeom>
-        </p:spPr>
-      </p:pic>
-      <p:pic>
-        <p:nvPicPr>
-          <p:cNvPr id="6" name="Picture 5" descr="Graphical user interface, application&#10;&#10;Description automatically generated">
-            <a:extLst>
-              <a:ext uri="{FF2B5EF4-FFF2-40B4-BE49-F238E27FC236}">
-                <a16:creationId xmlns:a16="http://schemas.microsoft.com/office/drawing/2014/main" id="{BB27ECCE-4F06-2740-9543-A7009AB7CAA0}"/>
-              </a:ext>
-            </a:extLst>
-          </p:cNvPr>
-          <p:cNvPicPr>
-            <a:picLocks noChangeAspect="1"/>
-          </p:cNvPicPr>
-          <p:nvPr/>
-        </p:nvPicPr>
-        <p:blipFill>
-          <a:blip r:embed="rId5"/>
-          <a:stretch>
-            <a:fillRect/>
-          </a:stretch>
-        </p:blipFill>
-        <p:spPr>
-          <a:xfrm>
-            <a:off x="2395874" y="2843210"/>
-            <a:ext cx="6772075" cy="2221949"/>
-          </a:xfrm>
-          <a:prstGeom prst="rect">
-            <a:avLst/>
-          </a:prstGeom>
-        </p:spPr>
-      </p:pic>
-    </p:spTree>
-    <p:extLst>
-      <p:ext uri="{BB962C8B-B14F-4D97-AF65-F5344CB8AC3E}">
-        <p14:creationId xmlns:p14="http://schemas.microsoft.com/office/powerpoint/2010/main" val="1556755810"/>
-      </p:ext>
-    </p:extLst>
-  </p:cSld>
-  <p:clrMapOvr>
-    <a:masterClrMapping/>
-  </p:clrMapOvr>
-</p:sld>
-</file>
-
-<file path=ppt/slides/slide22.xml><?xml version="1.0" encoding="utf-8"?>
-<p:sld xmlns:a="http://schemas.openxmlformats.org/drawingml/2006/main" xmlns:r="http://schemas.openxmlformats.org/officeDocument/2006/relationships" xmlns:p="http://schemas.openxmlformats.org/presentationml/2006/main">
-  <p:cSld>
-    <p:spTree>
-      <p:nvGrpSpPr>
-        <p:cNvPr id="1" name=""/>
-        <p:cNvGrpSpPr/>
-        <p:nvPr/>
-      </p:nvGrpSpPr>
-      <p:grpSpPr>
-        <a:xfrm>
-          <a:off x="0" y="0"/>
-          <a:ext cx="0" cy="0"/>
-          <a:chOff x="0" y="0"/>
-          <a:chExt cx="0" cy="0"/>
-        </a:xfrm>
-      </p:grpSpPr>
-      <p:sp>
-        <p:nvSpPr>
-          <p:cNvPr id="2" name="Title 1"/>
-          <p:cNvSpPr>
-            <a:spLocks noGrp="1"/>
-          </p:cNvSpPr>
-          <p:nvPr>
-            <p:ph type="title"/>
-          </p:nvPr>
-        </p:nvSpPr>
-        <p:spPr>
-          <a:xfrm>
-            <a:off x="227958" y="287346"/>
-            <a:ext cx="7886700" cy="1215639"/>
-          </a:xfrm>
-        </p:spPr>
-        <p:txBody>
-          <a:bodyPr>
-            <a:normAutofit fontScale="90000"/>
-          </a:bodyPr>
-          <a:lstStyle/>
-          <a:p>
-            <a:r>
-              <a:rPr lang="en-US" dirty="0"/>
-              <a:t>Now, use </a:t>
-            </a:r>
-            <a:r>
-              <a:rPr lang="en-US" dirty="0" err="1"/>
-              <a:t>PlantUML</a:t>
-            </a:r>
-            <a:r>
-              <a:rPr lang="en-US" dirty="0"/>
-              <a:t> to recreate</a:t>
-            </a:r>
-            <a:br>
-              <a:rPr lang="en-US" dirty="0"/>
-            </a:br>
-            <a:r>
-              <a:rPr lang="en-US" dirty="0"/>
-              <a:t>the diagram below</a:t>
-            </a:r>
-            <a:br>
-              <a:rPr lang="en-US" dirty="0"/>
-            </a:br>
-            <a:r>
-              <a:rPr lang="en-US" dirty="0"/>
-              <a:t>Here’s the </a:t>
-            </a:r>
-            <a:r>
-              <a:rPr lang="en-US" dirty="0" err="1"/>
-              <a:t>PlantUML</a:t>
-            </a:r>
-            <a:r>
-              <a:rPr lang="en-US" dirty="0"/>
-              <a:t> code</a:t>
-            </a:r>
-          </a:p>
-        </p:txBody>
-      </p:sp>
-      <p:sp>
-        <p:nvSpPr>
-          <p:cNvPr id="5" name="TextBox 4"/>
-          <p:cNvSpPr txBox="1"/>
-          <p:nvPr/>
-        </p:nvSpPr>
-        <p:spPr>
-          <a:xfrm>
-            <a:off x="956603" y="1793631"/>
-            <a:ext cx="4353951" cy="2031325"/>
-          </a:xfrm>
-          <a:prstGeom prst="rect">
-            <a:avLst/>
-          </a:prstGeom>
-          <a:noFill/>
-        </p:spPr>
-        <p:txBody>
-          <a:bodyPr wrap="square" rtlCol="0">
-            <a:spAutoFit/>
-          </a:bodyPr>
-          <a:lstStyle/>
-          <a:p>
-            <a:r>
-              <a:rPr lang="en-US" dirty="0"/>
-              <a:t>General website</a:t>
-            </a:r>
-            <a:endParaRPr lang="en-US" dirty="0">
-              <a:hlinkClick r:id="rId2"/>
-            </a:endParaRPr>
-          </a:p>
-          <a:p>
-            <a:r>
-              <a:rPr lang="en-US" dirty="0">
-                <a:hlinkClick r:id="rId2"/>
-              </a:rPr>
-              <a:t>https://plantuml.com/</a:t>
-            </a:r>
-            <a:endParaRPr lang="en-US" dirty="0"/>
-          </a:p>
-          <a:p>
-            <a:endParaRPr lang="en-US" dirty="0"/>
-          </a:p>
-          <a:p>
-            <a:r>
-              <a:rPr lang="en-US" dirty="0"/>
-              <a:t>Free Browser Based Online Server</a:t>
-            </a:r>
-          </a:p>
-          <a:p>
-            <a:r>
-              <a:rPr lang="en-US" dirty="0">
-                <a:hlinkClick r:id="rId3"/>
-              </a:rPr>
-              <a:t>http://www.plantuml.com/plantuml/</a:t>
-            </a:r>
-            <a:endParaRPr lang="en-US" dirty="0"/>
-          </a:p>
-          <a:p>
-            <a:endParaRPr lang="en-US" dirty="0"/>
-          </a:p>
-          <a:p>
-            <a:endParaRPr lang="en-US" dirty="0"/>
-          </a:p>
-        </p:txBody>
-      </p:sp>
-      <p:sp>
-        <p:nvSpPr>
-          <p:cNvPr id="6" name="Rectangle 5"/>
-          <p:cNvSpPr/>
-          <p:nvPr/>
-        </p:nvSpPr>
-        <p:spPr>
-          <a:xfrm>
-            <a:off x="5176912" y="119576"/>
-            <a:ext cx="3509889" cy="6548511"/>
-          </a:xfrm>
-          <a:prstGeom prst="rect">
-            <a:avLst/>
-          </a:prstGeom>
-        </p:spPr>
-        <p:style>
-          <a:lnRef idx="2">
-            <a:schemeClr val="accent1">
-              <a:shade val="50000"/>
-            </a:schemeClr>
-          </a:lnRef>
-          <a:fillRef idx="1">
-            <a:schemeClr val="accent1"/>
-          </a:fillRef>
-          <a:effectRef idx="0">
-            <a:schemeClr val="accent1"/>
-          </a:effectRef>
-          <a:fontRef idx="minor">
-            <a:schemeClr val="lt1"/>
-          </a:fontRef>
-        </p:style>
-        <p:txBody>
-          <a:bodyPr rtlCol="0" anchor="ctr"/>
-          <a:lstStyle/>
-          <a:p>
-            <a:r>
-              <a:rPr lang="en-US" sz="1600" dirty="0">
-                <a:latin typeface="Courier New" panose="02070309020205020404" pitchFamily="49" charset="0"/>
-                <a:cs typeface="Courier New" panose="02070309020205020404" pitchFamily="49" charset="0"/>
-              </a:rPr>
-              <a:t>@startuml</a:t>
-            </a:r>
-          </a:p>
-          <a:p>
-            <a:r>
-              <a:rPr lang="en-US" sz="1600" dirty="0" err="1">
-                <a:latin typeface="Courier New" panose="02070309020205020404" pitchFamily="49" charset="0"/>
-                <a:cs typeface="Courier New" panose="02070309020205020404" pitchFamily="49" charset="0"/>
-              </a:rPr>
-              <a:t>skinparam</a:t>
-            </a:r>
-            <a:r>
-              <a:rPr lang="en-US" sz="1600" dirty="0">
-                <a:latin typeface="Courier New" panose="02070309020205020404" pitchFamily="49" charset="0"/>
-                <a:cs typeface="Courier New" panose="02070309020205020404" pitchFamily="49" charset="0"/>
-              </a:rPr>
-              <a:t> style </a:t>
-            </a:r>
-            <a:r>
-              <a:rPr lang="en-US" sz="1600" dirty="0" err="1">
-                <a:latin typeface="Courier New" panose="02070309020205020404" pitchFamily="49" charset="0"/>
-                <a:cs typeface="Courier New" panose="02070309020205020404" pitchFamily="49" charset="0"/>
-              </a:rPr>
-              <a:t>strictuml</a:t>
-            </a:r>
-            <a:endParaRPr lang="en-US" sz="1600" dirty="0">
-              <a:latin typeface="Courier New" panose="02070309020205020404" pitchFamily="49" charset="0"/>
-              <a:cs typeface="Courier New" panose="02070309020205020404" pitchFamily="49" charset="0"/>
-            </a:endParaRPr>
-          </a:p>
-          <a:p>
-            <a:endParaRPr lang="en-US" sz="1600" dirty="0">
-              <a:latin typeface="Courier New" panose="02070309020205020404" pitchFamily="49" charset="0"/>
-              <a:cs typeface="Courier New" panose="02070309020205020404" pitchFamily="49" charset="0"/>
-            </a:endParaRPr>
-          </a:p>
-          <a:p>
-            <a:r>
-              <a:rPr lang="en-US" sz="1600" dirty="0">
-                <a:latin typeface="Courier New" panose="02070309020205020404" pitchFamily="49" charset="0"/>
-                <a:cs typeface="Courier New" panose="02070309020205020404" pitchFamily="49" charset="0"/>
-              </a:rPr>
-              <a:t>class Main {</a:t>
-            </a:r>
-          </a:p>
-          <a:p>
-            <a:r>
-              <a:rPr lang="en-US" sz="1600" dirty="0">
-                <a:latin typeface="Courier New" panose="02070309020205020404" pitchFamily="49" charset="0"/>
-                <a:cs typeface="Courier New" panose="02070309020205020404" pitchFamily="49" charset="0"/>
-              </a:rPr>
-              <a:t>   Main()</a:t>
-            </a:r>
-          </a:p>
-          <a:p>
-            <a:r>
-              <a:rPr lang="en-US" sz="1600" dirty="0">
-                <a:latin typeface="Courier New" panose="02070309020205020404" pitchFamily="49" charset="0"/>
-                <a:cs typeface="Courier New" panose="02070309020205020404" pitchFamily="49" charset="0"/>
-              </a:rPr>
-              <a:t>   setAllBValuesTo3()</a:t>
-            </a:r>
-          </a:p>
-          <a:p>
-            <a:r>
-              <a:rPr lang="en-US" sz="1600" dirty="0">
-                <a:latin typeface="Courier New" panose="02070309020205020404" pitchFamily="49" charset="0"/>
-                <a:cs typeface="Courier New" panose="02070309020205020404" pitchFamily="49" charset="0"/>
-              </a:rPr>
-              <a:t>}</a:t>
-            </a:r>
-          </a:p>
-          <a:p>
-            <a:endParaRPr lang="en-US" sz="1600" dirty="0">
-              <a:latin typeface="Courier New" panose="02070309020205020404" pitchFamily="49" charset="0"/>
-              <a:cs typeface="Courier New" panose="02070309020205020404" pitchFamily="49" charset="0"/>
-            </a:endParaRPr>
-          </a:p>
-          <a:p>
-            <a:r>
-              <a:rPr lang="en-US" sz="1600" dirty="0">
-                <a:latin typeface="Courier New" panose="02070309020205020404" pitchFamily="49" charset="0"/>
-                <a:cs typeface="Courier New" panose="02070309020205020404" pitchFamily="49" charset="0"/>
-              </a:rPr>
-              <a:t>class A{</a:t>
-            </a:r>
-          </a:p>
-          <a:p>
-            <a:r>
-              <a:rPr lang="en-US" sz="1600" dirty="0">
-                <a:latin typeface="Courier New" panose="02070309020205020404" pitchFamily="49" charset="0"/>
-                <a:cs typeface="Courier New" panose="02070309020205020404" pitchFamily="49" charset="0"/>
-              </a:rPr>
-              <a:t>   name</a:t>
-            </a:r>
-          </a:p>
-          <a:p>
-            <a:r>
-              <a:rPr lang="en-US" sz="1600" dirty="0">
-                <a:latin typeface="Courier New" panose="02070309020205020404" pitchFamily="49" charset="0"/>
-                <a:cs typeface="Courier New" panose="02070309020205020404" pitchFamily="49" charset="0"/>
-              </a:rPr>
-              <a:t>   A(name)</a:t>
-            </a:r>
-          </a:p>
-          <a:p>
-            <a:r>
-              <a:rPr lang="en-US" sz="1600" dirty="0">
-                <a:latin typeface="Courier New" panose="02070309020205020404" pitchFamily="49" charset="0"/>
-                <a:cs typeface="Courier New" panose="02070309020205020404" pitchFamily="49" charset="0"/>
-              </a:rPr>
-              <a:t>   </a:t>
-            </a:r>
-            <a:r>
-              <a:rPr lang="en-US" sz="1600" dirty="0" err="1">
-                <a:latin typeface="Courier New" panose="02070309020205020404" pitchFamily="49" charset="0"/>
-                <a:cs typeface="Courier New" panose="02070309020205020404" pitchFamily="49" charset="0"/>
-              </a:rPr>
-              <a:t>setBValue</a:t>
-            </a:r>
-            <a:r>
-              <a:rPr lang="en-US" sz="1600" dirty="0">
-                <a:latin typeface="Courier New" panose="02070309020205020404" pitchFamily="49" charset="0"/>
-                <a:cs typeface="Courier New" panose="02070309020205020404" pitchFamily="49" charset="0"/>
-              </a:rPr>
-              <a:t>(value)</a:t>
-            </a:r>
-          </a:p>
-          <a:p>
-            <a:r>
-              <a:rPr lang="en-US" sz="1600" dirty="0">
-                <a:latin typeface="Courier New" panose="02070309020205020404" pitchFamily="49" charset="0"/>
-                <a:cs typeface="Courier New" panose="02070309020205020404" pitchFamily="49" charset="0"/>
-              </a:rPr>
-              <a:t>}</a:t>
-            </a:r>
-          </a:p>
-          <a:p>
-            <a:endParaRPr lang="en-US" sz="1600" dirty="0">
-              <a:latin typeface="Courier New" panose="02070309020205020404" pitchFamily="49" charset="0"/>
-              <a:cs typeface="Courier New" panose="02070309020205020404" pitchFamily="49" charset="0"/>
-            </a:endParaRPr>
-          </a:p>
-          <a:p>
-            <a:r>
-              <a:rPr lang="en-US" sz="1600" dirty="0">
-                <a:latin typeface="Courier New" panose="02070309020205020404" pitchFamily="49" charset="0"/>
-                <a:cs typeface="Courier New" panose="02070309020205020404" pitchFamily="49" charset="0"/>
-              </a:rPr>
-              <a:t>class B{</a:t>
-            </a:r>
-          </a:p>
-          <a:p>
-            <a:r>
-              <a:rPr lang="en-US" sz="1600" dirty="0">
-                <a:latin typeface="Courier New" panose="02070309020205020404" pitchFamily="49" charset="0"/>
-                <a:cs typeface="Courier New" panose="02070309020205020404" pitchFamily="49" charset="0"/>
-              </a:rPr>
-              <a:t>   count</a:t>
-            </a:r>
-          </a:p>
-          <a:p>
-            <a:r>
-              <a:rPr lang="en-US" sz="1600" dirty="0">
-                <a:latin typeface="Courier New" panose="02070309020205020404" pitchFamily="49" charset="0"/>
-                <a:cs typeface="Courier New" panose="02070309020205020404" pitchFamily="49" charset="0"/>
-              </a:rPr>
-              <a:t>   B()</a:t>
-            </a:r>
-          </a:p>
-          <a:p>
-            <a:r>
-              <a:rPr lang="en-US" sz="1600" dirty="0">
-                <a:latin typeface="Courier New" panose="02070309020205020404" pitchFamily="49" charset="0"/>
-                <a:cs typeface="Courier New" panose="02070309020205020404" pitchFamily="49" charset="0"/>
-              </a:rPr>
-              <a:t>   </a:t>
-            </a:r>
-            <a:r>
-              <a:rPr lang="en-US" sz="1600" dirty="0" err="1">
-                <a:latin typeface="Courier New" panose="02070309020205020404" pitchFamily="49" charset="0"/>
-                <a:cs typeface="Courier New" panose="02070309020205020404" pitchFamily="49" charset="0"/>
-              </a:rPr>
-              <a:t>setValue</a:t>
-            </a:r>
-            <a:r>
-              <a:rPr lang="en-US" sz="1600" dirty="0">
-                <a:latin typeface="Courier New" panose="02070309020205020404" pitchFamily="49" charset="0"/>
-                <a:cs typeface="Courier New" panose="02070309020205020404" pitchFamily="49" charset="0"/>
-              </a:rPr>
-              <a:t>(value)</a:t>
-            </a:r>
-          </a:p>
-          <a:p>
-            <a:r>
-              <a:rPr lang="en-US" sz="1600" dirty="0">
-                <a:latin typeface="Courier New" panose="02070309020205020404" pitchFamily="49" charset="0"/>
-                <a:cs typeface="Courier New" panose="02070309020205020404" pitchFamily="49" charset="0"/>
-              </a:rPr>
-              <a:t>}</a:t>
-            </a:r>
-          </a:p>
-          <a:p>
-            <a:endParaRPr lang="en-US" sz="1600" dirty="0">
-              <a:latin typeface="Courier New" panose="02070309020205020404" pitchFamily="49" charset="0"/>
-              <a:cs typeface="Courier New" panose="02070309020205020404" pitchFamily="49" charset="0"/>
-            </a:endParaRPr>
-          </a:p>
-          <a:p>
-            <a:r>
-              <a:rPr lang="en-US" sz="1600" dirty="0">
-                <a:latin typeface="Courier New" panose="02070309020205020404" pitchFamily="49" charset="0"/>
-                <a:cs typeface="Courier New" panose="02070309020205020404" pitchFamily="49" charset="0"/>
-              </a:rPr>
-              <a:t>A  -right-&gt;  B</a:t>
-            </a:r>
-          </a:p>
-          <a:p>
-            <a:r>
-              <a:rPr lang="en-US" sz="1600" dirty="0">
-                <a:latin typeface="Courier New" panose="02070309020205020404" pitchFamily="49" charset="0"/>
-                <a:cs typeface="Courier New" panose="02070309020205020404" pitchFamily="49" charset="0"/>
-              </a:rPr>
-              <a:t>Main –down-&gt; "*" A</a:t>
-            </a:r>
-          </a:p>
-          <a:p>
-            <a:endParaRPr lang="en-US" sz="1600" dirty="0">
-              <a:latin typeface="Courier New" panose="02070309020205020404" pitchFamily="49" charset="0"/>
-              <a:cs typeface="Courier New" panose="02070309020205020404" pitchFamily="49" charset="0"/>
-            </a:endParaRPr>
-          </a:p>
-          <a:p>
-            <a:r>
-              <a:rPr lang="en-US" sz="1600" dirty="0">
-                <a:latin typeface="Courier New" panose="02070309020205020404" pitchFamily="49" charset="0"/>
-                <a:cs typeface="Courier New" panose="02070309020205020404" pitchFamily="49" charset="0"/>
-              </a:rPr>
-              <a:t>@enduml</a:t>
-            </a:r>
-          </a:p>
-          <a:p>
-            <a:endParaRPr lang="en-US" dirty="0"/>
-          </a:p>
-        </p:txBody>
-      </p:sp>
-      <p:cxnSp>
-        <p:nvCxnSpPr>
-          <p:cNvPr id="11" name="Straight Arrow Connector 10"/>
-          <p:cNvCxnSpPr>
-            <a:cxnSpLocks/>
-          </p:cNvCxnSpPr>
-          <p:nvPr/>
-        </p:nvCxnSpPr>
-        <p:spPr>
-          <a:xfrm flipH="1">
-            <a:off x="3965826" y="3986373"/>
-            <a:ext cx="1520574" cy="1284270"/>
-          </a:xfrm>
-          <a:prstGeom prst="straightConnector1">
-            <a:avLst/>
-          </a:prstGeom>
-          <a:ln w="28575">
-            <a:tailEnd type="triangle"/>
-          </a:ln>
-        </p:spPr>
-        <p:style>
-          <a:lnRef idx="3">
-            <a:schemeClr val="dk1"/>
-          </a:lnRef>
-          <a:fillRef idx="0">
-            <a:schemeClr val="dk1"/>
-          </a:fillRef>
-          <a:effectRef idx="2">
-            <a:schemeClr val="dk1"/>
-          </a:effectRef>
-          <a:fontRef idx="minor">
-            <a:schemeClr val="tx1"/>
-          </a:fontRef>
-        </p:style>
-      </p:cxnSp>
-      <p:cxnSp>
-        <p:nvCxnSpPr>
-          <p:cNvPr id="16" name="Straight Arrow Connector 15"/>
-          <p:cNvCxnSpPr>
-            <a:cxnSpLocks/>
-          </p:cNvCxnSpPr>
-          <p:nvPr/>
-        </p:nvCxnSpPr>
-        <p:spPr>
-          <a:xfrm flipH="1">
-            <a:off x="2034284" y="2527443"/>
-            <a:ext cx="3482938" cy="2753474"/>
-          </a:xfrm>
-          <a:prstGeom prst="straightConnector1">
-            <a:avLst/>
-          </a:prstGeom>
-          <a:ln w="28575">
-            <a:tailEnd type="triangle"/>
-          </a:ln>
-        </p:spPr>
-        <p:style>
-          <a:lnRef idx="3">
-            <a:schemeClr val="dk1"/>
-          </a:lnRef>
-          <a:fillRef idx="0">
-            <a:schemeClr val="dk1"/>
-          </a:fillRef>
-          <a:effectRef idx="2">
-            <a:schemeClr val="dk1"/>
-          </a:effectRef>
-          <a:fontRef idx="minor">
-            <a:schemeClr val="tx1"/>
-          </a:fontRef>
-        </p:style>
-      </p:cxnSp>
-      <p:cxnSp>
-        <p:nvCxnSpPr>
-          <p:cNvPr id="18" name="Straight Arrow Connector 17"/>
-          <p:cNvCxnSpPr>
-            <a:cxnSpLocks/>
-          </p:cNvCxnSpPr>
-          <p:nvPr/>
-        </p:nvCxnSpPr>
-        <p:spPr>
-          <a:xfrm flipH="1">
-            <a:off x="2342510" y="1294544"/>
-            <a:ext cx="3226083" cy="2239766"/>
-          </a:xfrm>
-          <a:prstGeom prst="straightConnector1">
-            <a:avLst/>
-          </a:prstGeom>
-          <a:ln w="28575">
-            <a:tailEnd type="triangle"/>
-          </a:ln>
-        </p:spPr>
-        <p:style>
-          <a:lnRef idx="3">
-            <a:schemeClr val="dk1"/>
-          </a:lnRef>
-          <a:fillRef idx="0">
-            <a:schemeClr val="dk1"/>
-          </a:fillRef>
-          <a:effectRef idx="2">
-            <a:schemeClr val="dk1"/>
-          </a:effectRef>
-          <a:fontRef idx="minor">
-            <a:schemeClr val="tx1"/>
-          </a:fontRef>
-        </p:style>
-      </p:cxnSp>
-      <p:pic>
-        <p:nvPicPr>
-          <p:cNvPr id="10" name="Graphic 9">
-            <a:extLst>
-              <a:ext uri="{FF2B5EF4-FFF2-40B4-BE49-F238E27FC236}">
-                <a16:creationId xmlns:a16="http://schemas.microsoft.com/office/drawing/2014/main" id="{07EBA617-3FEF-0D4A-849E-56616D5B089B}"/>
-              </a:ext>
-            </a:extLst>
-          </p:cNvPr>
-          <p:cNvPicPr>
-            <a:picLocks noChangeAspect="1"/>
-          </p:cNvPicPr>
-          <p:nvPr/>
-        </p:nvPicPr>
-        <p:blipFill>
-          <a:blip r:embed="rId4">
-            <a:extLst>
-              <a:ext uri="{96DAC541-7B7A-43D3-8B79-37D633B846F1}">
-                <asvg:svgBlip xmlns:asvg="http://schemas.microsoft.com/office/drawing/2016/SVG/main" r:embed="rId5"/>
-              </a:ext>
-            </a:extLst>
-          </a:blip>
-          <a:stretch>
-            <a:fillRect/>
-          </a:stretch>
-        </p:blipFill>
-        <p:spPr>
-          <a:xfrm>
-            <a:off x="414961" y="3328898"/>
-            <a:ext cx="3961829" cy="3228891"/>
-          </a:xfrm>
-          <a:prstGeom prst="rect">
-            <a:avLst/>
-          </a:prstGeom>
-        </p:spPr>
-      </p:pic>
-      <p:sp>
-        <p:nvSpPr>
-          <p:cNvPr id="13" name="Freeform 12">
-            <a:extLst>
-              <a:ext uri="{FF2B5EF4-FFF2-40B4-BE49-F238E27FC236}">
-                <a16:creationId xmlns:a16="http://schemas.microsoft.com/office/drawing/2014/main" id="{C6AF0FED-846D-E745-8022-697302C722DF}"/>
-              </a:ext>
-            </a:extLst>
-          </p:cNvPr>
-          <p:cNvSpPr/>
-          <p:nvPr/>
-        </p:nvSpPr>
-        <p:spPr>
-          <a:xfrm>
-            <a:off x="2391157" y="4847686"/>
-            <a:ext cx="2848663" cy="977761"/>
-          </a:xfrm>
-          <a:custGeom>
-            <a:avLst/>
-            <a:gdLst>
-              <a:gd name="connsiteX0" fmla="*/ 2725373 w 2725373"/>
-              <a:gd name="connsiteY0" fmla="*/ 474327 h 977761"/>
-              <a:gd name="connsiteX1" fmla="*/ 1122605 w 2725373"/>
-              <a:gd name="connsiteY1" fmla="*/ 1716 h 977761"/>
-              <a:gd name="connsiteX2" fmla="*/ 156834 w 2725373"/>
-              <a:gd name="connsiteY2" fmla="*/ 340763 h 977761"/>
-              <a:gd name="connsiteX3" fmla="*/ 12996 w 2725373"/>
-              <a:gd name="connsiteY3" fmla="*/ 977761 h 977761"/>
-            </a:gdLst>
-            <a:ahLst/>
-            <a:cxnLst>
-              <a:cxn ang="0">
-                <a:pos x="connsiteX0" y="connsiteY0"/>
-              </a:cxn>
-              <a:cxn ang="0">
-                <a:pos x="connsiteX1" y="connsiteY1"/>
-              </a:cxn>
-              <a:cxn ang="0">
-                <a:pos x="connsiteX2" y="connsiteY2"/>
-              </a:cxn>
-              <a:cxn ang="0">
-                <a:pos x="connsiteX3" y="connsiteY3"/>
-              </a:cxn>
-            </a:cxnLst>
-            <a:rect l="l" t="t" r="r" b="b"/>
-            <a:pathLst>
-              <a:path w="2725373" h="977761">
-                <a:moveTo>
-                  <a:pt x="2725373" y="474327"/>
-                </a:moveTo>
-                <a:cubicBezTo>
-                  <a:pt x="2138034" y="249152"/>
-                  <a:pt x="1550695" y="23977"/>
-                  <a:pt x="1122605" y="1716"/>
-                </a:cubicBezTo>
-                <a:cubicBezTo>
-                  <a:pt x="694515" y="-20545"/>
-                  <a:pt x="341769" y="178089"/>
-                  <a:pt x="156834" y="340763"/>
-                </a:cubicBezTo>
-                <a:cubicBezTo>
-                  <a:pt x="-28101" y="503437"/>
-                  <a:pt x="-7553" y="740599"/>
-                  <a:pt x="12996" y="977761"/>
-                </a:cubicBezTo>
-              </a:path>
-            </a:pathLst>
-          </a:custGeom>
-          <a:noFill/>
-          <a:ln w="38100">
-            <a:solidFill>
-              <a:srgbClr val="FF0000"/>
-            </a:solidFill>
-            <a:headEnd type="none" w="med" len="med"/>
-            <a:tailEnd type="arrow" w="med" len="med"/>
-          </a:ln>
-        </p:spPr>
-        <p:style>
-          <a:lnRef idx="2">
-            <a:schemeClr val="accent1">
-              <a:shade val="50000"/>
-            </a:schemeClr>
-          </a:lnRef>
-          <a:fillRef idx="1">
-            <a:schemeClr val="accent1"/>
-          </a:fillRef>
-          <a:effectRef idx="0">
-            <a:schemeClr val="accent1"/>
-          </a:effectRef>
-          <a:fontRef idx="minor">
-            <a:schemeClr val="lt1"/>
-          </a:fontRef>
-        </p:style>
-        <p:txBody>
-          <a:bodyPr rtlCol="0" anchor="ctr"/>
-          <a:lstStyle/>
-          <a:p>
-            <a:pPr algn="ctr"/>
-            <a:endParaRPr lang="en-US"/>
-          </a:p>
-        </p:txBody>
-      </p:sp>
-      <p:sp>
-        <p:nvSpPr>
-          <p:cNvPr id="14" name="Freeform 13">
-            <a:extLst>
-              <a:ext uri="{FF2B5EF4-FFF2-40B4-BE49-F238E27FC236}">
-                <a16:creationId xmlns:a16="http://schemas.microsoft.com/office/drawing/2014/main" id="{DC88D408-E10E-7A4C-AE84-F2F126103D83}"/>
-              </a:ext>
-            </a:extLst>
-          </p:cNvPr>
-          <p:cNvSpPr/>
-          <p:nvPr/>
-        </p:nvSpPr>
-        <p:spPr>
-          <a:xfrm>
-            <a:off x="134460" y="4539515"/>
-            <a:ext cx="5218376" cy="2178710"/>
-          </a:xfrm>
-          <a:custGeom>
-            <a:avLst/>
-            <a:gdLst>
-              <a:gd name="connsiteX0" fmla="*/ 5218376 w 5218376"/>
-              <a:gd name="connsiteY0" fmla="*/ 1152368 h 2178710"/>
-              <a:gd name="connsiteX1" fmla="*/ 4098493 w 5218376"/>
-              <a:gd name="connsiteY1" fmla="*/ 2077042 h 2178710"/>
-              <a:gd name="connsiteX2" fmla="*/ 235410 w 5218376"/>
-              <a:gd name="connsiteY2" fmla="*/ 1953752 h 2178710"/>
-              <a:gd name="connsiteX3" fmla="*/ 512812 w 5218376"/>
-              <a:gd name="connsiteY3" fmla="*/ 289339 h 2178710"/>
-              <a:gd name="connsiteX4" fmla="*/ 1232003 w 5218376"/>
-              <a:gd name="connsiteY4" fmla="*/ 11937 h 2178710"/>
-            </a:gdLst>
-            <a:ahLst/>
-            <a:cxnLst>
-              <a:cxn ang="0">
-                <a:pos x="connsiteX0" y="connsiteY0"/>
-              </a:cxn>
-              <a:cxn ang="0">
-                <a:pos x="connsiteX1" y="connsiteY1"/>
-              </a:cxn>
-              <a:cxn ang="0">
-                <a:pos x="connsiteX2" y="connsiteY2"/>
-              </a:cxn>
-              <a:cxn ang="0">
-                <a:pos x="connsiteX3" y="connsiteY3"/>
-              </a:cxn>
-              <a:cxn ang="0">
-                <a:pos x="connsiteX4" y="connsiteY4"/>
-              </a:cxn>
-            </a:cxnLst>
-            <a:rect l="l" t="t" r="r" b="b"/>
-            <a:pathLst>
-              <a:path w="5218376" h="2178710">
-                <a:moveTo>
-                  <a:pt x="5218376" y="1152368"/>
-                </a:moveTo>
-                <a:cubicBezTo>
-                  <a:pt x="5073681" y="1547923"/>
-                  <a:pt x="4928987" y="1943478"/>
-                  <a:pt x="4098493" y="2077042"/>
-                </a:cubicBezTo>
-                <a:cubicBezTo>
-                  <a:pt x="3267999" y="2210606"/>
-                  <a:pt x="833023" y="2251702"/>
-                  <a:pt x="235410" y="1953752"/>
-                </a:cubicBezTo>
-                <a:cubicBezTo>
-                  <a:pt x="-362203" y="1655802"/>
-                  <a:pt x="346713" y="612975"/>
-                  <a:pt x="512812" y="289339"/>
-                </a:cubicBezTo>
-                <a:cubicBezTo>
-                  <a:pt x="678911" y="-34297"/>
-                  <a:pt x="955457" y="-11180"/>
-                  <a:pt x="1232003" y="11937"/>
-                </a:cubicBezTo>
-              </a:path>
-            </a:pathLst>
-          </a:custGeom>
-          <a:noFill/>
-          <a:ln w="38100">
-            <a:solidFill>
-              <a:srgbClr val="FF0000"/>
-            </a:solidFill>
-            <a:headEnd type="none" w="med" len="med"/>
-            <a:tailEnd type="arrow" w="med" len="med"/>
-          </a:ln>
-        </p:spPr>
-        <p:style>
-          <a:lnRef idx="2">
-            <a:schemeClr val="accent1">
-              <a:shade val="50000"/>
-            </a:schemeClr>
-          </a:lnRef>
-          <a:fillRef idx="1">
-            <a:schemeClr val="accent1"/>
-          </a:fillRef>
-          <a:effectRef idx="0">
-            <a:schemeClr val="accent1"/>
-          </a:effectRef>
-          <a:fontRef idx="minor">
-            <a:schemeClr val="lt1"/>
-          </a:fontRef>
-        </p:style>
-        <p:txBody>
-          <a:bodyPr rtlCol="0" anchor="ctr"/>
-          <a:lstStyle/>
-          <a:p>
-            <a:pPr algn="ctr"/>
-            <a:endParaRPr lang="en-US"/>
-          </a:p>
-        </p:txBody>
-      </p:sp>
-      <p:cxnSp>
-        <p:nvCxnSpPr>
-          <p:cNvPr id="19" name="Straight Arrow Connector 18">
-            <a:extLst>
-              <a:ext uri="{FF2B5EF4-FFF2-40B4-BE49-F238E27FC236}">
-                <a16:creationId xmlns:a16="http://schemas.microsoft.com/office/drawing/2014/main" id="{A51DE845-0FA1-6D44-AD11-B8C604131E82}"/>
-              </a:ext>
-            </a:extLst>
-          </p:cNvPr>
-          <p:cNvCxnSpPr>
-            <a:cxnSpLocks/>
-          </p:cNvCxnSpPr>
-          <p:nvPr/>
-        </p:nvCxnSpPr>
-        <p:spPr>
-          <a:xfrm flipV="1">
-            <a:off x="4376790" y="811657"/>
-            <a:ext cx="800122" cy="472613"/>
-          </a:xfrm>
-          <a:prstGeom prst="straightConnector1">
-            <a:avLst/>
-          </a:prstGeom>
-          <a:ln w="38100">
-            <a:solidFill>
-              <a:srgbClr val="FF0000"/>
-            </a:solidFill>
-            <a:tailEnd type="triangle"/>
-          </a:ln>
-        </p:spPr>
-        <p:style>
-          <a:lnRef idx="1">
-            <a:schemeClr val="accent1"/>
-          </a:lnRef>
-          <a:fillRef idx="0">
-            <a:schemeClr val="accent1"/>
-          </a:fillRef>
-          <a:effectRef idx="0">
-            <a:schemeClr val="accent1"/>
-          </a:effectRef>
-          <a:fontRef idx="minor">
-            <a:schemeClr val="tx1"/>
-          </a:fontRef>
-        </p:style>
-      </p:cxnSp>
-    </p:spTree>
-    <p:extLst>
-      <p:ext uri="{BB962C8B-B14F-4D97-AF65-F5344CB8AC3E}">
-        <p14:creationId xmlns:p14="http://schemas.microsoft.com/office/powerpoint/2010/main" val="3100295621"/>
-      </p:ext>
-    </p:extLst>
-  </p:cSld>
-  <p:clrMapOvr>
-    <a:masterClrMapping/>
-  </p:clrMapOvr>
-</p:sld>
-</file>
-
-<file path=ppt/slides/slide23.xml><?xml version="1.0" encoding="utf-8"?>
-<p:sld xmlns:a="http://schemas.openxmlformats.org/drawingml/2006/main" xmlns:r="http://schemas.openxmlformats.org/officeDocument/2006/relationships" xmlns:p="http://schemas.openxmlformats.org/presentationml/2006/main">
-  <p:cSld>
-    <p:spTree>
-      <p:nvGrpSpPr>
-        <p:cNvPr id="1" name=""/>
-        <p:cNvGrpSpPr/>
-        <p:nvPr/>
-      </p:nvGrpSpPr>
-      <p:grpSpPr>
-        <a:xfrm>
-          <a:off x="0" y="0"/>
-          <a:ext cx="0" cy="0"/>
-          <a:chOff x="0" y="0"/>
-          <a:chExt cx="0" cy="0"/>
-        </a:xfrm>
-      </p:grpSpPr>
-      <p:sp>
-        <p:nvSpPr>
-          <p:cNvPr id="2" name="Title 1">
-            <a:extLst>
-              <a:ext uri="{FF2B5EF4-FFF2-40B4-BE49-F238E27FC236}">
-                <a16:creationId xmlns:a16="http://schemas.microsoft.com/office/drawing/2014/main" id="{60F1EF48-A9A6-45F2-926E-B89CA7F3D5BC}"/>
-              </a:ext>
-            </a:extLst>
-          </p:cNvPr>
-          <p:cNvSpPr>
-            <a:spLocks noGrp="1"/>
-          </p:cNvSpPr>
-          <p:nvPr>
-            <p:ph type="title"/>
-          </p:nvPr>
-        </p:nvSpPr>
-        <p:spPr/>
-        <p:txBody>
-          <a:bodyPr>
-            <a:normAutofit/>
-          </a:bodyPr>
-          <a:lstStyle/>
-          <a:p>
-            <a:r>
-              <a:rPr lang="en-US" sz="5400" dirty="0"/>
-              <a:t>Now - practice</a:t>
-            </a:r>
-          </a:p>
-        </p:txBody>
-      </p:sp>
-      <p:sp>
-        <p:nvSpPr>
-          <p:cNvPr id="3" name="Content Placeholder 2">
-            <a:extLst>
-              <a:ext uri="{FF2B5EF4-FFF2-40B4-BE49-F238E27FC236}">
-                <a16:creationId xmlns:a16="http://schemas.microsoft.com/office/drawing/2014/main" id="{DE16BA5C-9D59-4C3D-870C-32F783594F59}"/>
-              </a:ext>
-            </a:extLst>
-          </p:cNvPr>
-          <p:cNvSpPr>
-            <a:spLocks noGrp="1"/>
-          </p:cNvSpPr>
-          <p:nvPr>
-            <p:ph idx="1"/>
-          </p:nvPr>
-        </p:nvSpPr>
-        <p:spPr/>
-        <p:txBody>
-          <a:bodyPr>
-            <a:normAutofit/>
-          </a:bodyPr>
-          <a:lstStyle/>
-          <a:p>
-            <a:r>
-              <a:rPr lang="en-US" sz="4000" dirty="0"/>
-              <a:t>Back to the hand drawn Quiz Question #2</a:t>
-            </a:r>
-          </a:p>
-          <a:p>
-            <a:r>
-              <a:rPr lang="en-US" sz="4000" b="1" dirty="0"/>
-              <a:t>Generate a digital UML Diagram now using </a:t>
-            </a:r>
-            <a:r>
-              <a:rPr lang="en-US" sz="4000" b="1" dirty="0" err="1"/>
-              <a:t>PlantUML</a:t>
-            </a:r>
-            <a:endParaRPr lang="en-US" sz="4000" b="1" dirty="0"/>
-          </a:p>
-        </p:txBody>
-      </p:sp>
-    </p:spTree>
-    <p:extLst>
-      <p:ext uri="{BB962C8B-B14F-4D97-AF65-F5344CB8AC3E}">
-        <p14:creationId xmlns:p14="http://schemas.microsoft.com/office/powerpoint/2010/main" val="541699415"/>
       </p:ext>
     </p:extLst>
   </p:cSld>
@@ -17393,15 +15984,6 @@
 </file>
 
 <file path=customXml/item2.xml><?xml version="1.0" encoding="utf-8"?>
-<?mso-contentType ?>
-<FormTemplates xmlns="http://schemas.microsoft.com/sharepoint/v3/contenttype/forms">
-  <Display>DocumentLibraryForm</Display>
-  <Edit>DocumentLibraryForm</Edit>
-  <New>DocumentLibraryForm</New>
-</FormTemplates>
-</file>
-
-<file path=customXml/item3.xml><?xml version="1.0" encoding="utf-8"?>
 <ct:contentTypeSchema xmlns:ct="http://schemas.microsoft.com/office/2006/metadata/contentType" xmlns:ma="http://schemas.microsoft.com/office/2006/metadata/properties/metaAttributes" ct:_="" ma:_="" ma:contentTypeName="Document" ma:contentTypeID="0x0101004285D81DBE5F5A448E892B34D6B8CF20" ma:contentTypeVersion="7" ma:contentTypeDescription="Create a new document." ma:contentTypeScope="" ma:versionID="5d1eb4e46a89551cacffd71f81775a5c">
   <xsd:schema xmlns:xsd="http://www.w3.org/2001/XMLSchema" xmlns:xs="http://www.w3.org/2001/XMLSchema" xmlns:p="http://schemas.microsoft.com/office/2006/metadata/properties" xmlns:ns2="08600313-7276-4ca7-b5d3-7d86193ee0ac" xmlns:ns3="820f9cb1-409d-4c4b-8197-1d4f7dd48124" targetNamespace="http://schemas.microsoft.com/office/2006/metadata/properties" ma:root="true" ma:fieldsID="88f943689c6eba50ac915d805157f594" ns2:_="" ns3:_="">
     <xsd:import namespace="08600313-7276-4ca7-b5d3-7d86193ee0ac"/>
@@ -17570,6 +16152,15 @@
 </ct:contentTypeSchema>
 </file>
 
+<file path=customXml/item3.xml><?xml version="1.0" encoding="utf-8"?>
+<?mso-contentType ?>
+<FormTemplates xmlns="http://schemas.microsoft.com/sharepoint/v3/contenttype/forms">
+  <Display>DocumentLibraryForm</Display>
+  <Edit>DocumentLibraryForm</Edit>
+  <New>DocumentLibraryForm</New>
+</FormTemplates>
+</file>
+
 <file path=customXml/itemProps1.xml><?xml version="1.0" encoding="utf-8"?>
 <ds:datastoreItem xmlns:ds="http://schemas.openxmlformats.org/officeDocument/2006/customXml" ds:itemID="{53BCF677-1FAD-41AA-88A0-C4369104214C}">
   <ds:schemaRefs>
@@ -17589,14 +16180,6 @@
 </file>
 
 <file path=customXml/itemProps2.xml><?xml version="1.0" encoding="utf-8"?>
-<ds:datastoreItem xmlns:ds="http://schemas.openxmlformats.org/officeDocument/2006/customXml" ds:itemID="{9C3C6449-8142-4E3D-BB10-90E03D0E297A}">
-  <ds:schemaRefs>
-    <ds:schemaRef ds:uri="http://schemas.microsoft.com/sharepoint/v3/contenttype/forms"/>
-  </ds:schemaRefs>
-</ds:datastoreItem>
-</file>
-
-<file path=customXml/itemProps3.xml><?xml version="1.0" encoding="utf-8"?>
 <ds:datastoreItem xmlns:ds="http://schemas.openxmlformats.org/officeDocument/2006/customXml" ds:itemID="{0C7CBB15-4ED8-4C46-85B5-E1FBD0BCC149}">
   <ds:schemaRefs>
     <ds:schemaRef ds:uri="08600313-7276-4ca7-b5d3-7d86193ee0ac"/>
@@ -17613,4 +16196,12 @@
     <ds:schemaRef ds:uri="http://www.w3.org/2001/XMLSchema"/>
   </ds:schemaRefs>
 </ds:datastoreItem>
+</file>
+
+<file path=customXml/itemProps3.xml><?xml version="1.0" encoding="utf-8"?>
+<ds:datastoreItem xmlns:ds="http://schemas.openxmlformats.org/officeDocument/2006/customXml" ds:itemID="{9C3C6449-8142-4E3D-BB10-90E03D0E297A}">
+  <ds:schemaRefs>
+    <ds:schemaRef ds:uri="http://schemas.microsoft.com/sharepoint/v3/contenttype/forms"/>
+  </ds:schemaRefs>
+</ds:datastoreItem>
 </file>
--- a/ClassMaterials/SETechniques/Slides/Part2-SETechniques-UML.pptx
+++ b/ClassMaterials/SETechniques/Slides/Part2-SETechniques-UML.pptx
@@ -160,106 +160,8 @@
 </p:cmAuthorLst>
 </file>
 
-<file path=ppt/revisionInfo.xml><?xml version="1.0" encoding="utf-8"?>
-<p1510:revInfo xmlns:a="http://schemas.openxmlformats.org/drawingml/2006/main" xmlns:r="http://schemas.openxmlformats.org/officeDocument/2006/relationships" xmlns:p1510="http://schemas.microsoft.com/office/powerpoint/2015/10/main">
-  <p1510:revLst>
-    <p1510:client id="{15A707BF-2AAE-B34A-9A33-D7249A28E15B}" v="4" dt="2022-03-17T12:59:15.489"/>
-    <p1510:client id="{5DF30C33-1FAB-46B2-83B9-F12A6364EC53}" v="5" dt="2022-09-13T14:31:53.504"/>
-    <p1510:client id="{C7ED2365-D56D-4222-9740-503803554AD5}" v="2" dt="2022-09-13T15:18:59.898"/>
-  </p1510:revLst>
-</p1510:revInfo>
-</file>
-
 <file path=ppt/changesInfos/changesInfo1.xml><?xml version="1.0" encoding="utf-8"?>
 <pc:chgInfo xmlns:a="http://schemas.openxmlformats.org/drawingml/2006/main" xmlns:r="http://schemas.openxmlformats.org/officeDocument/2006/relationships" xmlns:ac="http://schemas.microsoft.com/office/drawing/2013/main/command" xmlns:pc="http://schemas.microsoft.com/office/powerpoint/2013/main/command">
-  <pc:docChgLst>
-    <pc:chgData name="Singh, Rishi" userId="S::singhrm@rose-hulman.edu::c33288cb-7aff-4b9b-ba69-25a0dd4bd752" providerId="AD" clId="Web-{1F15276F-3429-4A2A-903D-6D8A7883193C}"/>
-    <pc:docChg chg="sldOrd">
-      <pc:chgData name="Singh, Rishi" userId="S::singhrm@rose-hulman.edu::c33288cb-7aff-4b9b-ba69-25a0dd4bd752" providerId="AD" clId="Web-{1F15276F-3429-4A2A-903D-6D8A7883193C}" dt="2021-09-16T14:41:03.746" v="1"/>
-      <pc:docMkLst>
-        <pc:docMk/>
-      </pc:docMkLst>
-      <pc:sldChg chg="ord">
-        <pc:chgData name="Singh, Rishi" userId="S::singhrm@rose-hulman.edu::c33288cb-7aff-4b9b-ba69-25a0dd4bd752" providerId="AD" clId="Web-{1F15276F-3429-4A2A-903D-6D8A7883193C}" dt="2021-09-16T14:41:03.746" v="1"/>
-        <pc:sldMkLst>
-          <pc:docMk/>
-          <pc:sldMk cId="3790688258" sldId="276"/>
-        </pc:sldMkLst>
-      </pc:sldChg>
-    </pc:docChg>
-  </pc:docChgLst>
-  <pc:docChgLst>
-    <pc:chgData name="Schuh, Wesley" userId="S::schuhwa@rose-hulman.edu::cf247bd0-6430-46a6-b8e6-0a39bcbb1957" providerId="AD" clId="Web-{C7ED2365-D56D-4222-9740-503803554AD5}"/>
-    <pc:docChg chg="modSld">
-      <pc:chgData name="Schuh, Wesley" userId="S::schuhwa@rose-hulman.edu::cf247bd0-6430-46a6-b8e6-0a39bcbb1957" providerId="AD" clId="Web-{C7ED2365-D56D-4222-9740-503803554AD5}" dt="2022-09-13T15:18:59.898" v="1" actId="1076"/>
-      <pc:docMkLst>
-        <pc:docMk/>
-      </pc:docMkLst>
-      <pc:sldChg chg="modSp">
-        <pc:chgData name="Schuh, Wesley" userId="S::schuhwa@rose-hulman.edu::cf247bd0-6430-46a6-b8e6-0a39bcbb1957" providerId="AD" clId="Web-{C7ED2365-D56D-4222-9740-503803554AD5}" dt="2022-09-13T15:18:59.898" v="1" actId="1076"/>
-        <pc:sldMkLst>
-          <pc:docMk/>
-          <pc:sldMk cId="2029327197" sldId="357"/>
-        </pc:sldMkLst>
-        <pc:picChg chg="mod">
-          <ac:chgData name="Schuh, Wesley" userId="S::schuhwa@rose-hulman.edu::cf247bd0-6430-46a6-b8e6-0a39bcbb1957" providerId="AD" clId="Web-{C7ED2365-D56D-4222-9740-503803554AD5}" dt="2022-09-13T15:18:59.898" v="1" actId="1076"/>
-          <ac:picMkLst>
-            <pc:docMk/>
-            <pc:sldMk cId="2029327197" sldId="357"/>
-            <ac:picMk id="10" creationId="{07EBA617-3FEF-0D4A-849E-56616D5B089B}"/>
-          </ac:picMkLst>
-        </pc:picChg>
-      </pc:sldChg>
-    </pc:docChg>
-  </pc:docChgLst>
-  <pc:docChgLst>
-    <pc:chgData name="Gizaw, Abe" userId="S::gizawaa@rose-hulman.edu::571aac1e-a9ea-4e4f-b980-6eed3f72c8a8" providerId="AD" clId="Web-{A69ED4A4-0259-4472-86F2-36E0979E9DA6}"/>
-    <pc:docChg chg="modSld">
-      <pc:chgData name="Gizaw, Abe" userId="S::gizawaa@rose-hulman.edu::571aac1e-a9ea-4e4f-b980-6eed3f72c8a8" providerId="AD" clId="Web-{A69ED4A4-0259-4472-86F2-36E0979E9DA6}" dt="2021-12-10T13:31:10.286" v="7" actId="14100"/>
-      <pc:docMkLst>
-        <pc:docMk/>
-      </pc:docMkLst>
-      <pc:sldChg chg="modSp">
-        <pc:chgData name="Gizaw, Abe" userId="S::gizawaa@rose-hulman.edu::571aac1e-a9ea-4e4f-b980-6eed3f72c8a8" providerId="AD" clId="Web-{A69ED4A4-0259-4472-86F2-36E0979E9DA6}" dt="2021-12-10T13:31:10.286" v="7" actId="14100"/>
-        <pc:sldMkLst>
-          <pc:docMk/>
-          <pc:sldMk cId="1567250401" sldId="304"/>
-        </pc:sldMkLst>
-        <pc:spChg chg="mod">
-          <ac:chgData name="Gizaw, Abe" userId="S::gizawaa@rose-hulman.edu::571aac1e-a9ea-4e4f-b980-6eed3f72c8a8" providerId="AD" clId="Web-{A69ED4A4-0259-4472-86F2-36E0979E9DA6}" dt="2021-12-10T13:31:10.286" v="7" actId="14100"/>
-          <ac:spMkLst>
-            <pc:docMk/>
-            <pc:sldMk cId="1567250401" sldId="304"/>
-            <ac:spMk id="2" creationId="{59F066AD-A996-0A45-A4D1-F8B188AA3912}"/>
-          </ac:spMkLst>
-        </pc:spChg>
-      </pc:sldChg>
-    </pc:docChg>
-  </pc:docChgLst>
-  <pc:docChgLst>
-    <pc:chgData name="Tran, Tuan" userId="S::trantq@rose-hulman.edu::f135af7e-dd02-4bb1-b759-9255d0cef422" providerId="AD" clId="Web-{5DF30C33-1FAB-46B2-83B9-F12A6364EC53}"/>
-    <pc:docChg chg="modSld">
-      <pc:chgData name="Tran, Tuan" userId="S::trantq@rose-hulman.edu::f135af7e-dd02-4bb1-b759-9255d0cef422" providerId="AD" clId="Web-{5DF30C33-1FAB-46B2-83B9-F12A6364EC53}" dt="2022-09-13T14:31:53.504" v="3" actId="1076"/>
-      <pc:docMkLst>
-        <pc:docMk/>
-      </pc:docMkLst>
-      <pc:sldChg chg="addSp modSp">
-        <pc:chgData name="Tran, Tuan" userId="S::trantq@rose-hulman.edu::f135af7e-dd02-4bb1-b759-9255d0cef422" providerId="AD" clId="Web-{5DF30C33-1FAB-46B2-83B9-F12A6364EC53}" dt="2022-09-13T14:31:53.504" v="3" actId="1076"/>
-        <pc:sldMkLst>
-          <pc:docMk/>
-          <pc:sldMk cId="2132751055" sldId="358"/>
-        </pc:sldMkLst>
-        <pc:picChg chg="add mod">
-          <ac:chgData name="Tran, Tuan" userId="S::trantq@rose-hulman.edu::f135af7e-dd02-4bb1-b759-9255d0cef422" providerId="AD" clId="Web-{5DF30C33-1FAB-46B2-83B9-F12A6364EC53}" dt="2022-09-13T14:31:53.504" v="3" actId="1076"/>
-          <ac:picMkLst>
-            <pc:docMk/>
-            <pc:sldMk cId="2132751055" sldId="358"/>
-            <ac:picMk id="4" creationId="{1F74ED77-1EBB-B61F-55D6-D859B23CE509}"/>
-          </ac:picMkLst>
-        </pc:picChg>
-      </pc:sldChg>
-    </pc:docChg>
-  </pc:docChgLst>
   <pc:docChgLst>
     <pc:chgData name="Hollingsworth, Joseph" userId="6338ef61-550f-4a52-a8a3-bd9025908f10" providerId="ADAL" clId="{15A707BF-2AAE-B34A-9A33-D7249A28E15B}"/>
     <pc:docChg chg="custSel addSld delSld modSld">
@@ -439,6 +341,118 @@
       </pc:sldChg>
     </pc:docChg>
   </pc:docChgLst>
+  <pc:docChgLst>
+    <pc:chgData name="Gizaw, Abe" userId="S::gizawaa@rose-hulman.edu::571aac1e-a9ea-4e4f-b980-6eed3f72c8a8" providerId="AD" clId="Web-{A69ED4A4-0259-4472-86F2-36E0979E9DA6}"/>
+    <pc:docChg chg="modSld">
+      <pc:chgData name="Gizaw, Abe" userId="S::gizawaa@rose-hulman.edu::571aac1e-a9ea-4e4f-b980-6eed3f72c8a8" providerId="AD" clId="Web-{A69ED4A4-0259-4472-86F2-36E0979E9DA6}" dt="2021-12-10T13:31:10.286" v="7" actId="14100"/>
+      <pc:docMkLst>
+        <pc:docMk/>
+      </pc:docMkLst>
+      <pc:sldChg chg="modSp">
+        <pc:chgData name="Gizaw, Abe" userId="S::gizawaa@rose-hulman.edu::571aac1e-a9ea-4e4f-b980-6eed3f72c8a8" providerId="AD" clId="Web-{A69ED4A4-0259-4472-86F2-36E0979E9DA6}" dt="2021-12-10T13:31:10.286" v="7" actId="14100"/>
+        <pc:sldMkLst>
+          <pc:docMk/>
+          <pc:sldMk cId="1567250401" sldId="304"/>
+        </pc:sldMkLst>
+        <pc:spChg chg="mod">
+          <ac:chgData name="Gizaw, Abe" userId="S::gizawaa@rose-hulman.edu::571aac1e-a9ea-4e4f-b980-6eed3f72c8a8" providerId="AD" clId="Web-{A69ED4A4-0259-4472-86F2-36E0979E9DA6}" dt="2021-12-10T13:31:10.286" v="7" actId="14100"/>
+          <ac:spMkLst>
+            <pc:docMk/>
+            <pc:sldMk cId="1567250401" sldId="304"/>
+            <ac:spMk id="2" creationId="{59F066AD-A996-0A45-A4D1-F8B188AA3912}"/>
+          </ac:spMkLst>
+        </pc:spChg>
+      </pc:sldChg>
+    </pc:docChg>
+  </pc:docChgLst>
+  <pc:docChgLst>
+    <pc:chgData name="Tran, Tuan" userId="S::trantq@rose-hulman.edu::f135af7e-dd02-4bb1-b759-9255d0cef422" providerId="AD" clId="Web-{5DF30C33-1FAB-46B2-83B9-F12A6364EC53}"/>
+    <pc:docChg chg="modSld">
+      <pc:chgData name="Tran, Tuan" userId="S::trantq@rose-hulman.edu::f135af7e-dd02-4bb1-b759-9255d0cef422" providerId="AD" clId="Web-{5DF30C33-1FAB-46B2-83B9-F12A6364EC53}" dt="2022-09-13T14:31:53.504" v="3" actId="1076"/>
+      <pc:docMkLst>
+        <pc:docMk/>
+      </pc:docMkLst>
+      <pc:sldChg chg="addSp modSp">
+        <pc:chgData name="Tran, Tuan" userId="S::trantq@rose-hulman.edu::f135af7e-dd02-4bb1-b759-9255d0cef422" providerId="AD" clId="Web-{5DF30C33-1FAB-46B2-83B9-F12A6364EC53}" dt="2022-09-13T14:31:53.504" v="3" actId="1076"/>
+        <pc:sldMkLst>
+          <pc:docMk/>
+          <pc:sldMk cId="2132751055" sldId="358"/>
+        </pc:sldMkLst>
+        <pc:picChg chg="add mod">
+          <ac:chgData name="Tran, Tuan" userId="S::trantq@rose-hulman.edu::f135af7e-dd02-4bb1-b759-9255d0cef422" providerId="AD" clId="Web-{5DF30C33-1FAB-46B2-83B9-F12A6364EC53}" dt="2022-09-13T14:31:53.504" v="3" actId="1076"/>
+          <ac:picMkLst>
+            <pc:docMk/>
+            <pc:sldMk cId="2132751055" sldId="358"/>
+            <ac:picMk id="4" creationId="{1F74ED77-1EBB-B61F-55D6-D859B23CE509}"/>
+          </ac:picMkLst>
+        </pc:picChg>
+      </pc:sldChg>
+    </pc:docChg>
+  </pc:docChgLst>
+  <pc:docChgLst>
+    <pc:chgData name="Singh, Rishi" userId="S::singhrm@rose-hulman.edu::c33288cb-7aff-4b9b-ba69-25a0dd4bd752" providerId="AD" clId="Web-{1F15276F-3429-4A2A-903D-6D8A7883193C}"/>
+    <pc:docChg chg="sldOrd">
+      <pc:chgData name="Singh, Rishi" userId="S::singhrm@rose-hulman.edu::c33288cb-7aff-4b9b-ba69-25a0dd4bd752" providerId="AD" clId="Web-{1F15276F-3429-4A2A-903D-6D8A7883193C}" dt="2021-09-16T14:41:03.746" v="1"/>
+      <pc:docMkLst>
+        <pc:docMk/>
+      </pc:docMkLst>
+      <pc:sldChg chg="ord">
+        <pc:chgData name="Singh, Rishi" userId="S::singhrm@rose-hulman.edu::c33288cb-7aff-4b9b-ba69-25a0dd4bd752" providerId="AD" clId="Web-{1F15276F-3429-4A2A-903D-6D8A7883193C}" dt="2021-09-16T14:41:03.746" v="1"/>
+        <pc:sldMkLst>
+          <pc:docMk/>
+          <pc:sldMk cId="3790688258" sldId="276"/>
+        </pc:sldMkLst>
+      </pc:sldChg>
+    </pc:docChg>
+  </pc:docChgLst>
+  <pc:docChgLst>
+    <pc:chgData name="Yoder, Jason" userId="28f4d4d8-da04-4f86-b14d-a21675737bc5" providerId="ADAL" clId="{0B198985-7947-4AE7-B6A4-9273D9235F86}"/>
+    <pc:docChg chg="custSel modSld">
+      <pc:chgData name="Yoder, Jason" userId="28f4d4d8-da04-4f86-b14d-a21675737bc5" providerId="ADAL" clId="{0B198985-7947-4AE7-B6A4-9273D9235F86}" dt="2023-11-21T15:49:04.321" v="0" actId="478"/>
+      <pc:docMkLst>
+        <pc:docMk/>
+      </pc:docMkLst>
+      <pc:sldChg chg="delSp mod">
+        <pc:chgData name="Yoder, Jason" userId="28f4d4d8-da04-4f86-b14d-a21675737bc5" providerId="ADAL" clId="{0B198985-7947-4AE7-B6A4-9273D9235F86}" dt="2023-11-21T15:49:04.321" v="0" actId="478"/>
+        <pc:sldMkLst>
+          <pc:docMk/>
+          <pc:sldMk cId="399915097" sldId="301"/>
+        </pc:sldMkLst>
+        <pc:spChg chg="del">
+          <ac:chgData name="Yoder, Jason" userId="28f4d4d8-da04-4f86-b14d-a21675737bc5" providerId="ADAL" clId="{0B198985-7947-4AE7-B6A4-9273D9235F86}" dt="2023-11-21T15:49:04.321" v="0" actId="478"/>
+          <ac:spMkLst>
+            <pc:docMk/>
+            <pc:sldMk cId="399915097" sldId="301"/>
+            <ac:spMk id="7" creationId="{7BD1774A-36CA-A24E-9508-E585399EB40B}"/>
+          </ac:spMkLst>
+        </pc:spChg>
+      </pc:sldChg>
+    </pc:docChg>
+  </pc:docChgLst>
+  <pc:docChgLst>
+    <pc:chgData name="Schuh, Wesley" userId="S::schuhwa@rose-hulman.edu::cf247bd0-6430-46a6-b8e6-0a39bcbb1957" providerId="AD" clId="Web-{C7ED2365-D56D-4222-9740-503803554AD5}"/>
+    <pc:docChg chg="modSld">
+      <pc:chgData name="Schuh, Wesley" userId="S::schuhwa@rose-hulman.edu::cf247bd0-6430-46a6-b8e6-0a39bcbb1957" providerId="AD" clId="Web-{C7ED2365-D56D-4222-9740-503803554AD5}" dt="2022-09-13T15:18:59.898" v="1" actId="1076"/>
+      <pc:docMkLst>
+        <pc:docMk/>
+      </pc:docMkLst>
+      <pc:sldChg chg="modSp">
+        <pc:chgData name="Schuh, Wesley" userId="S::schuhwa@rose-hulman.edu::cf247bd0-6430-46a6-b8e6-0a39bcbb1957" providerId="AD" clId="Web-{C7ED2365-D56D-4222-9740-503803554AD5}" dt="2022-09-13T15:18:59.898" v="1" actId="1076"/>
+        <pc:sldMkLst>
+          <pc:docMk/>
+          <pc:sldMk cId="2029327197" sldId="357"/>
+        </pc:sldMkLst>
+        <pc:picChg chg="mod">
+          <ac:chgData name="Schuh, Wesley" userId="S::schuhwa@rose-hulman.edu::cf247bd0-6430-46a6-b8e6-0a39bcbb1957" providerId="AD" clId="Web-{C7ED2365-D56D-4222-9740-503803554AD5}" dt="2022-09-13T15:18:59.898" v="1" actId="1076"/>
+          <ac:picMkLst>
+            <pc:docMk/>
+            <pc:sldMk cId="2029327197" sldId="357"/>
+            <ac:picMk id="10" creationId="{07EBA617-3FEF-0D4A-849E-56616D5B089B}"/>
+          </ac:picMkLst>
+        </pc:picChg>
+      </pc:sldChg>
+    </pc:docChg>
+  </pc:docChgLst>
 </pc:chgInfo>
 </file>
 
@@ -524,7 +538,7 @@
           <a:p>
             <a:fld id="{A470E182-4433-B944-AF35-723DFC7F8728}" type="datetimeFigureOut">
               <a:rPr lang="en-US" smtClean="0"/>
-              <a:t>12/4/2022</a:t>
+              <a:t>11/21/2023</a:t>
             </a:fld>
             <a:endParaRPr lang="en-US"/>
           </a:p>
@@ -745,7 +759,7 @@
           <a:p>
             <a:fld id="{C12EF212-CCF8-3B4F-9C5F-A87F03513D57}" type="datetimeFigureOut">
               <a:rPr lang="en-US" smtClean="0"/>
-              <a:t>12/4/2022</a:t>
+              <a:t>11/21/2023</a:t>
             </a:fld>
             <a:endParaRPr lang="en-US"/>
           </a:p>
@@ -1472,7 +1486,7 @@
               <a:pPr>
                 <a:defRPr/>
               </a:pPr>
-              <a:t>Sunday, December 4, 2022</a:t>
+              <a:t>Tuesday, November 21, 2023</a:t>
             </a:fld>
             <a:endParaRPr lang="en-US"/>
           </a:p>
@@ -1665,7 +1679,7 @@
               <a:pPr>
                 <a:defRPr/>
               </a:pPr>
-              <a:t>Sunday, December 4, 2022</a:t>
+              <a:t>Tuesday, November 21, 2023</a:t>
             </a:fld>
             <a:endParaRPr lang="en-US">
               <a:solidFill>
@@ -1878,7 +1892,7 @@
               <a:pPr>
                 <a:defRPr/>
               </a:pPr>
-              <a:t>Sunday, December 4, 2022</a:t>
+              <a:t>Tuesday, November 21, 2023</a:t>
             </a:fld>
             <a:endParaRPr lang="en-US">
               <a:solidFill>
@@ -2081,7 +2095,7 @@
               <a:pPr>
                 <a:defRPr/>
               </a:pPr>
-              <a:t>Sunday, December 4, 2022</a:t>
+              <a:t>Tuesday, November 21, 2023</a:t>
             </a:fld>
             <a:endParaRPr lang="en-US">
               <a:solidFill>
@@ -2361,7 +2375,7 @@
               <a:pPr>
                 <a:defRPr/>
               </a:pPr>
-              <a:t>Sunday, December 4, 2022</a:t>
+              <a:t>Tuesday, November 21, 2023</a:t>
             </a:fld>
             <a:endParaRPr lang="en-US">
               <a:solidFill>
@@ -2625,7 +2639,7 @@
               <a:pPr>
                 <a:defRPr/>
               </a:pPr>
-              <a:t>Sunday, December 4, 2022</a:t>
+              <a:t>Tuesday, November 21, 2023</a:t>
             </a:fld>
             <a:endParaRPr lang="en-US">
               <a:solidFill>
@@ -3024,7 +3038,7 @@
               <a:pPr>
                 <a:defRPr/>
               </a:pPr>
-              <a:t>Sunday, December 4, 2022</a:t>
+              <a:t>Tuesday, November 21, 2023</a:t>
             </a:fld>
             <a:endParaRPr lang="en-US">
               <a:solidFill>
@@ -3176,7 +3190,7 @@
               <a:pPr>
                 <a:defRPr/>
               </a:pPr>
-              <a:t>Sunday, December 4, 2022</a:t>
+              <a:t>Tuesday, November 21, 2023</a:t>
             </a:fld>
             <a:endParaRPr lang="en-US">
               <a:solidFill>
@@ -3306,7 +3320,7 @@
               <a:pPr>
                 <a:defRPr/>
               </a:pPr>
-              <a:t>Sunday, December 4, 2022</a:t>
+              <a:t>Tuesday, November 21, 2023</a:t>
             </a:fld>
             <a:endParaRPr lang="en-US">
               <a:solidFill>
@@ -3616,7 +3630,7 @@
               <a:pPr>
                 <a:defRPr/>
               </a:pPr>
-              <a:t>Sunday, December 4, 2022</a:t>
+              <a:t>Tuesday, November 21, 2023</a:t>
             </a:fld>
             <a:endParaRPr lang="en-US">
               <a:solidFill>
@@ -3903,7 +3917,7 @@
               <a:pPr>
                 <a:defRPr/>
               </a:pPr>
-              <a:t>Sunday, December 4, 2022</a:t>
+              <a:t>Tuesday, November 21, 2023</a:t>
             </a:fld>
             <a:endParaRPr lang="en-US">
               <a:solidFill>
@@ -4163,7 +4177,7 @@
                 </a:spcAft>
                 <a:defRPr/>
               </a:pPr>
-              <a:t>Sunday, December 4, 2022</a:t>
+              <a:t>Tuesday, November 21, 2023</a:t>
             </a:fld>
             <a:endParaRPr lang="en-US">
               <a:solidFill>
@@ -4665,99 +4679,6 @@
               <a:rPr lang="en-US"/>
               <a:t>Intro to UML Class Diagrams</a:t>
             </a:r>
-          </a:p>
-        </p:txBody>
-      </p:sp>
-      <p:sp>
-        <p:nvSpPr>
-          <p:cNvPr id="7" name="Rectangle 6">
-            <a:extLst>
-              <a:ext uri="{FF2B5EF4-FFF2-40B4-BE49-F238E27FC236}">
-                <a16:creationId xmlns:a16="http://schemas.microsoft.com/office/drawing/2014/main" id="{7BD1774A-36CA-A24E-9508-E585399EB40B}"/>
-              </a:ext>
-            </a:extLst>
-          </p:cNvPr>
-          <p:cNvSpPr/>
-          <p:nvPr/>
-        </p:nvSpPr>
-        <p:spPr>
-          <a:xfrm>
-            <a:off x="304800" y="4918754"/>
-            <a:ext cx="8534400" cy="1565186"/>
-          </a:xfrm>
-          <a:prstGeom prst="rect">
-            <a:avLst/>
-          </a:prstGeom>
-          <a:solidFill>
-            <a:srgbClr val="92D050"/>
-          </a:solidFill>
-        </p:spPr>
-        <p:style>
-          <a:lnRef idx="2">
-            <a:schemeClr val="accent3">
-              <a:shade val="50000"/>
-            </a:schemeClr>
-          </a:lnRef>
-          <a:fillRef idx="1">
-            <a:schemeClr val="accent3"/>
-          </a:fillRef>
-          <a:effectRef idx="0">
-            <a:schemeClr val="accent3"/>
-          </a:effectRef>
-          <a:fontRef idx="minor">
-            <a:schemeClr val="lt1"/>
-          </a:fontRef>
-        </p:style>
-        <p:txBody>
-          <a:bodyPr rtlCol="0" anchor="ctr"/>
-          <a:lstStyle/>
-          <a:p>
-            <a:r>
-              <a:rPr lang="en-US" sz="2400">
-                <a:solidFill>
-                  <a:srgbClr val="FFFFFF"/>
-                </a:solidFill>
-              </a:rPr>
-              <a:t>The </a:t>
-            </a:r>
-            <a:r>
-              <a:rPr lang="en-US" sz="2400" i="1">
-                <a:solidFill>
-                  <a:srgbClr val="FFFFFF"/>
-                </a:solidFill>
-              </a:rPr>
-              <a:t>git</a:t>
-            </a:r>
-            <a:r>
-              <a:rPr lang="en-US" sz="2400">
-                <a:solidFill>
-                  <a:srgbClr val="FFFFFF"/>
-                </a:solidFill>
-              </a:rPr>
-              <a:t> projects for today are:</a:t>
-            </a:r>
-          </a:p>
-          <a:p>
-            <a:pPr marL="342900" indent="-342900">
-              <a:buFont typeface="Arial" panose="020B0604020202020204" pitchFamily="34" charset="0"/>
-              <a:buChar char="•"/>
-            </a:pPr>
-            <a:r>
-              <a:rPr lang="en-US" sz="2400" i="1" err="1"/>
-              <a:t>PracticeFirstOODesign</a:t>
-            </a:r>
-            <a:endParaRPr lang="en-US" sz="2400" i="1"/>
-          </a:p>
-          <a:p>
-            <a:pPr marL="342900" indent="-342900">
-              <a:buFont typeface="Arial" panose="020B0604020202020204" pitchFamily="34" charset="0"/>
-              <a:buChar char="•"/>
-            </a:pPr>
-            <a:r>
-              <a:rPr lang="en-US" sz="2400" i="1" err="1"/>
-              <a:t>PracticeFirstOODesignSolution</a:t>
-            </a:r>
-            <a:endParaRPr lang="en-US" sz="2400" i="1"/>
           </a:p>
         </p:txBody>
       </p:sp>
@@ -15973,17 +15894,6 @@
 </file>
 
 <file path=customXml/item1.xml><?xml version="1.0" encoding="utf-8"?>
-<p:properties xmlns:p="http://schemas.microsoft.com/office/2006/metadata/properties" xmlns:xsi="http://www.w3.org/2001/XMLSchema-instance" xmlns:pc="http://schemas.microsoft.com/office/infopath/2007/PartnerControls">
-  <documentManagement>
-    <TaxCatchAll xmlns="820f9cb1-409d-4c4b-8197-1d4f7dd48124" xsi:nil="true"/>
-    <lcf76f155ced4ddcb4097134ff3c332f xmlns="08600313-7276-4ca7-b5d3-7d86193ee0ac">
-      <Terms xmlns="http://schemas.microsoft.com/office/infopath/2007/PartnerControls"/>
-    </lcf76f155ced4ddcb4097134ff3c332f>
-  </documentManagement>
-</p:properties>
-</file>
-
-<file path=customXml/item2.xml><?xml version="1.0" encoding="utf-8"?>
 <ct:contentTypeSchema xmlns:ct="http://schemas.microsoft.com/office/2006/metadata/contentType" xmlns:ma="http://schemas.microsoft.com/office/2006/metadata/properties/metaAttributes" ct:_="" ma:_="" ma:contentTypeName="Document" ma:contentTypeID="0x0101004285D81DBE5F5A448E892B34D6B8CF20" ma:contentTypeVersion="7" ma:contentTypeDescription="Create a new document." ma:contentTypeScope="" ma:versionID="5d1eb4e46a89551cacffd71f81775a5c">
   <xsd:schema xmlns:xsd="http://www.w3.org/2001/XMLSchema" xmlns:xs="http://www.w3.org/2001/XMLSchema" xmlns:p="http://schemas.microsoft.com/office/2006/metadata/properties" xmlns:ns2="08600313-7276-4ca7-b5d3-7d86193ee0ac" xmlns:ns3="820f9cb1-409d-4c4b-8197-1d4f7dd48124" targetNamespace="http://schemas.microsoft.com/office/2006/metadata/properties" ma:root="true" ma:fieldsID="88f943689c6eba50ac915d805157f594" ns2:_="" ns3:_="">
     <xsd:import namespace="08600313-7276-4ca7-b5d3-7d86193ee0ac"/>
@@ -16152,6 +16062,17 @@
 </ct:contentTypeSchema>
 </file>
 
+<file path=customXml/item2.xml><?xml version="1.0" encoding="utf-8"?>
+<p:properties xmlns:p="http://schemas.microsoft.com/office/2006/metadata/properties" xmlns:xsi="http://www.w3.org/2001/XMLSchema-instance" xmlns:pc="http://schemas.microsoft.com/office/infopath/2007/PartnerControls">
+  <documentManagement>
+    <TaxCatchAll xmlns="820f9cb1-409d-4c4b-8197-1d4f7dd48124" xsi:nil="true"/>
+    <lcf76f155ced4ddcb4097134ff3c332f xmlns="08600313-7276-4ca7-b5d3-7d86193ee0ac">
+      <Terms xmlns="http://schemas.microsoft.com/office/infopath/2007/PartnerControls"/>
+    </lcf76f155ced4ddcb4097134ff3c332f>
+  </documentManagement>
+</p:properties>
+</file>
+
 <file path=customXml/item3.xml><?xml version="1.0" encoding="utf-8"?>
 <?mso-contentType ?>
 <FormTemplates xmlns="http://schemas.microsoft.com/sharepoint/v3/contenttype/forms">
@@ -16162,24 +16083,6 @@
 </file>
 
 <file path=customXml/itemProps1.xml><?xml version="1.0" encoding="utf-8"?>
-<ds:datastoreItem xmlns:ds="http://schemas.openxmlformats.org/officeDocument/2006/customXml" ds:itemID="{53BCF677-1FAD-41AA-88A0-C4369104214C}">
-  <ds:schemaRefs>
-    <ds:schemaRef ds:uri="08600313-7276-4ca7-b5d3-7d86193ee0ac"/>
-    <ds:schemaRef ds:uri="79ddb764-415a-4c38-83b7-908be6382bea"/>
-    <ds:schemaRef ds:uri="820f9cb1-409d-4c4b-8197-1d4f7dd48124"/>
-    <ds:schemaRef ds:uri="http://purl.org/dc/dcmitype/"/>
-    <ds:schemaRef ds:uri="http://purl.org/dc/elements/1.1/"/>
-    <ds:schemaRef ds:uri="http://purl.org/dc/terms/"/>
-    <ds:schemaRef ds:uri="http://schemas.microsoft.com/office/2006/documentManagement/types"/>
-    <ds:schemaRef ds:uri="http://schemas.microsoft.com/office/2006/metadata/properties"/>
-    <ds:schemaRef ds:uri="http://schemas.microsoft.com/office/infopath/2007/PartnerControls"/>
-    <ds:schemaRef ds:uri="http://schemas.openxmlformats.org/package/2006/metadata/core-properties"/>
-    <ds:schemaRef ds:uri="http://www.w3.org/XML/1998/namespace"/>
-  </ds:schemaRefs>
-</ds:datastoreItem>
-</file>
-
-<file path=customXml/itemProps2.xml><?xml version="1.0" encoding="utf-8"?>
 <ds:datastoreItem xmlns:ds="http://schemas.openxmlformats.org/officeDocument/2006/customXml" ds:itemID="{0C7CBB15-4ED8-4C46-85B5-E1FBD0BCC149}">
   <ds:schemaRefs>
     <ds:schemaRef ds:uri="08600313-7276-4ca7-b5d3-7d86193ee0ac"/>
@@ -16198,6 +16101,24 @@
 </ds:datastoreItem>
 </file>
 
+<file path=customXml/itemProps2.xml><?xml version="1.0" encoding="utf-8"?>
+<ds:datastoreItem xmlns:ds="http://schemas.openxmlformats.org/officeDocument/2006/customXml" ds:itemID="{53BCF677-1FAD-41AA-88A0-C4369104214C}">
+  <ds:schemaRefs>
+    <ds:schemaRef ds:uri="08600313-7276-4ca7-b5d3-7d86193ee0ac"/>
+    <ds:schemaRef ds:uri="79ddb764-415a-4c38-83b7-908be6382bea"/>
+    <ds:schemaRef ds:uri="820f9cb1-409d-4c4b-8197-1d4f7dd48124"/>
+    <ds:schemaRef ds:uri="http://purl.org/dc/dcmitype/"/>
+    <ds:schemaRef ds:uri="http://purl.org/dc/elements/1.1/"/>
+    <ds:schemaRef ds:uri="http://purl.org/dc/terms/"/>
+    <ds:schemaRef ds:uri="http://schemas.microsoft.com/office/2006/documentManagement/types"/>
+    <ds:schemaRef ds:uri="http://schemas.microsoft.com/office/2006/metadata/properties"/>
+    <ds:schemaRef ds:uri="http://schemas.microsoft.com/office/infopath/2007/PartnerControls"/>
+    <ds:schemaRef ds:uri="http://schemas.openxmlformats.org/package/2006/metadata/core-properties"/>
+    <ds:schemaRef ds:uri="http://www.w3.org/XML/1998/namespace"/>
+  </ds:schemaRefs>
+</ds:datastoreItem>
+</file>
+
 <file path=customXml/itemProps3.xml><?xml version="1.0" encoding="utf-8"?>
 <ds:datastoreItem xmlns:ds="http://schemas.openxmlformats.org/officeDocument/2006/customXml" ds:itemID="{9C3C6449-8142-4E3D-BB10-90E03D0E297A}">
   <ds:schemaRefs>
